--- a/Assignment2/HomeworkAssignment2_JasperSelman_RamonDeVaan.pptx
+++ b/Assignment2/HomeworkAssignment2_JasperSelman_RamonDeVaan.pptx
@@ -5,25 +5,29 @@
     <p:sldMasterId id="2147483652" r:id="rId1"/>
   </p:sldMasterIdLst>
   <p:notesMasterIdLst>
-    <p:notesMasterId r:id="rId10"/>
+    <p:notesMasterId r:id="rId14"/>
   </p:notesMasterIdLst>
   <p:handoutMasterIdLst>
-    <p:handoutMasterId r:id="rId11"/>
+    <p:handoutMasterId r:id="rId15"/>
   </p:handoutMasterIdLst>
   <p:sldIdLst>
     <p:sldId id="312" r:id="rId2"/>
     <p:sldId id="330" r:id="rId3"/>
     <p:sldId id="331" r:id="rId4"/>
-    <p:sldId id="332" r:id="rId5"/>
-    <p:sldId id="326" r:id="rId6"/>
-    <p:sldId id="333" r:id="rId7"/>
-    <p:sldId id="329" r:id="rId8"/>
-    <p:sldId id="327" r:id="rId9"/>
+    <p:sldId id="329" r:id="rId5"/>
+    <p:sldId id="332" r:id="rId6"/>
+    <p:sldId id="326" r:id="rId7"/>
+    <p:sldId id="333" r:id="rId8"/>
+    <p:sldId id="334" r:id="rId9"/>
+    <p:sldId id="335" r:id="rId10"/>
+    <p:sldId id="336" r:id="rId11"/>
+    <p:sldId id="337" r:id="rId12"/>
+    <p:sldId id="327" r:id="rId13"/>
   </p:sldIdLst>
   <p:sldSz cx="9144000" cy="6858000" type="screen4x3"/>
   <p:notesSz cx="6794500" cy="9931400"/>
   <p:custDataLst>
-    <p:tags r:id="rId12"/>
+    <p:tags r:id="rId16"/>
   </p:custDataLst>
   <p:defaultTextStyle>
     <a:defPPr>
@@ -152,25 +156,55 @@
   </p:defaultTextStyle>
   <p:extLst>
     <p:ext uri="{521415D9-36F7-43E2-AB2F-B90AF26B5E84}">
-      <p14:sectionLst xmlns="" xmlns:p14="http://schemas.microsoft.com/office/powerpoint/2010/main">
+      <p14:sectionLst xmlns:p14="http://schemas.microsoft.com/office/powerpoint/2010/main">
         <p14:section name="Default Section" id="{B5A2DD30-6A26-456B-9319-F2DDB28389BA}">
           <p14:sldIdLst>
             <p14:sldId id="312"/>
+            <p14:sldId id="330"/>
+            <p14:sldId id="331"/>
+            <p14:sldId id="329"/>
+            <p14:sldId id="332"/>
             <p14:sldId id="326"/>
-            <p14:sldId id="372"/>
-            <p14:sldId id="371"/>
-            <p14:sldId id="359"/>
-            <p14:sldId id="368"/>
-            <p14:sldId id="365"/>
-            <p14:sldId id="373"/>
-            <p14:sldId id="367"/>
-            <p14:sldId id="370"/>
+            <p14:sldId id="333"/>
+            <p14:sldId id="334"/>
+            <p14:sldId id="335"/>
+            <p14:sldId id="336"/>
+            <p14:sldId id="337"/>
+            <p14:sldId id="327"/>
           </p14:sldIdLst>
         </p14:section>
         <p14:section name="Untitled Section" id="{1D71395B-9062-4957-9E95-97A7F6F76783}">
           <p14:sldIdLst/>
         </p14:section>
       </p14:sectionLst>
+    </p:ext>
+    <p:ext uri="{EFAFB233-063F-42B5-8137-9DF3F51BA10A}">
+      <p15:sldGuideLst xmlns:p15="http://schemas.microsoft.com/office/powerpoint/2012/main">
+        <p15:guide id="1" orient="horz" pos="2160">
+          <p15:clr>
+            <a:srgbClr val="A4A3A4"/>
+          </p15:clr>
+        </p15:guide>
+        <p15:guide id="2" pos="2880">
+          <p15:clr>
+            <a:srgbClr val="A4A3A4"/>
+          </p15:clr>
+        </p15:guide>
+      </p15:sldGuideLst>
+    </p:ext>
+    <p:ext uri="{2D200454-40CA-4A62-9FC3-DE9A4176ACB9}">
+      <p15:notesGuideLst xmlns:p15="http://schemas.microsoft.com/office/powerpoint/2012/main">
+        <p15:guide id="1" orient="horz" pos="3129">
+          <p15:clr>
+            <a:srgbClr val="A4A3A4"/>
+          </p15:clr>
+        </p15:guide>
+        <p15:guide id="2" pos="2139">
+          <p15:clr>
+            <a:srgbClr val="A4A3A4"/>
+          </p15:clr>
+        </p15:guide>
+      </p15:notesGuideLst>
     </p:ext>
   </p:extLst>
 </p:presentation>
@@ -226,14 +260,14 @@
           <a:effectLst/>
           <a:extLst>
             <a:ext uri="{909E8E84-426E-40DD-AFC4-6F175D3DCCD1}">
-              <a14:hiddenFill xmlns="" xmlns:a14="http://schemas.microsoft.com/office/drawing/2010/main">
+              <a14:hiddenFill xmlns:a14="http://schemas.microsoft.com/office/drawing/2010/main">
                 <a:solidFill>
                   <a:schemeClr val="accent1"/>
                 </a:solidFill>
               </a14:hiddenFill>
             </a:ext>
             <a:ext uri="{91240B29-F687-4F45-9708-019B960494DF}">
-              <a14:hiddenLine xmlns="" xmlns:a14="http://schemas.microsoft.com/office/drawing/2010/main" w="9525">
+              <a14:hiddenLine xmlns:a14="http://schemas.microsoft.com/office/drawing/2010/main" w="9525">
                 <a:solidFill>
                   <a:schemeClr val="tx1"/>
                 </a:solidFill>
@@ -243,7 +277,7 @@
               </a14:hiddenLine>
             </a:ext>
             <a:ext uri="{AF507438-7753-43E0-B8FC-AC1667EBCBE1}">
-              <a14:hiddenEffects xmlns="" xmlns:a14="http://schemas.microsoft.com/office/drawing/2010/main">
+              <a14:hiddenEffects xmlns:a14="http://schemas.microsoft.com/office/drawing/2010/main">
                 <a:effectLst>
                   <a:outerShdw dist="35921" dir="2700000" algn="ctr" rotWithShape="0">
                     <a:schemeClr val="bg2"/>
@@ -299,14 +333,14 @@
           <a:effectLst/>
           <a:extLst>
             <a:ext uri="{909E8E84-426E-40DD-AFC4-6F175D3DCCD1}">
-              <a14:hiddenFill xmlns="" xmlns:a14="http://schemas.microsoft.com/office/drawing/2010/main">
+              <a14:hiddenFill xmlns:a14="http://schemas.microsoft.com/office/drawing/2010/main">
                 <a:solidFill>
                   <a:schemeClr val="accent1"/>
                 </a:solidFill>
               </a14:hiddenFill>
             </a:ext>
             <a:ext uri="{91240B29-F687-4F45-9708-019B960494DF}">
-              <a14:hiddenLine xmlns="" xmlns:a14="http://schemas.microsoft.com/office/drawing/2010/main" w="9525">
+              <a14:hiddenLine xmlns:a14="http://schemas.microsoft.com/office/drawing/2010/main" w="9525">
                 <a:solidFill>
                   <a:schemeClr val="tx1"/>
                 </a:solidFill>
@@ -316,7 +350,7 @@
               </a14:hiddenLine>
             </a:ext>
             <a:ext uri="{AF507438-7753-43E0-B8FC-AC1667EBCBE1}">
-              <a14:hiddenEffects xmlns="" xmlns:a14="http://schemas.microsoft.com/office/drawing/2010/main">
+              <a14:hiddenEffects xmlns:a14="http://schemas.microsoft.com/office/drawing/2010/main">
                 <a:effectLst>
                   <a:outerShdw dist="35921" dir="2700000" algn="ctr" rotWithShape="0">
                     <a:schemeClr val="bg2"/>
@@ -372,14 +406,14 @@
           <a:effectLst/>
           <a:extLst>
             <a:ext uri="{909E8E84-426E-40DD-AFC4-6F175D3DCCD1}">
-              <a14:hiddenFill xmlns="" xmlns:a14="http://schemas.microsoft.com/office/drawing/2010/main">
+              <a14:hiddenFill xmlns:a14="http://schemas.microsoft.com/office/drawing/2010/main">
                 <a:solidFill>
                   <a:schemeClr val="accent1"/>
                 </a:solidFill>
               </a14:hiddenFill>
             </a:ext>
             <a:ext uri="{91240B29-F687-4F45-9708-019B960494DF}">
-              <a14:hiddenLine xmlns="" xmlns:a14="http://schemas.microsoft.com/office/drawing/2010/main" w="9525">
+              <a14:hiddenLine xmlns:a14="http://schemas.microsoft.com/office/drawing/2010/main" w="9525">
                 <a:solidFill>
                   <a:schemeClr val="tx1"/>
                 </a:solidFill>
@@ -389,7 +423,7 @@
               </a14:hiddenLine>
             </a:ext>
             <a:ext uri="{AF507438-7753-43E0-B8FC-AC1667EBCBE1}">
-              <a14:hiddenEffects xmlns="" xmlns:a14="http://schemas.microsoft.com/office/drawing/2010/main">
+              <a14:hiddenEffects xmlns:a14="http://schemas.microsoft.com/office/drawing/2010/main">
                 <a:effectLst>
                   <a:outerShdw dist="35921" dir="2700000" algn="ctr" rotWithShape="0">
                     <a:schemeClr val="bg2"/>
@@ -445,14 +479,14 @@
           <a:effectLst/>
           <a:extLst>
             <a:ext uri="{909E8E84-426E-40DD-AFC4-6F175D3DCCD1}">
-              <a14:hiddenFill xmlns="" xmlns:a14="http://schemas.microsoft.com/office/drawing/2010/main">
+              <a14:hiddenFill xmlns:a14="http://schemas.microsoft.com/office/drawing/2010/main">
                 <a:solidFill>
                   <a:schemeClr val="accent1"/>
                 </a:solidFill>
               </a14:hiddenFill>
             </a:ext>
             <a:ext uri="{91240B29-F687-4F45-9708-019B960494DF}">
-              <a14:hiddenLine xmlns="" xmlns:a14="http://schemas.microsoft.com/office/drawing/2010/main" w="9525">
+              <a14:hiddenLine xmlns:a14="http://schemas.microsoft.com/office/drawing/2010/main" w="9525">
                 <a:solidFill>
                   <a:schemeClr val="tx1"/>
                 </a:solidFill>
@@ -462,7 +496,7 @@
               </a14:hiddenLine>
             </a:ext>
             <a:ext uri="{AF507438-7753-43E0-B8FC-AC1667EBCBE1}">
-              <a14:hiddenEffects xmlns="" xmlns:a14="http://schemas.microsoft.com/office/drawing/2010/main">
+              <a14:hiddenEffects xmlns:a14="http://schemas.microsoft.com/office/drawing/2010/main">
                 <a:effectLst>
                   <a:outerShdw dist="35921" dir="2700000" algn="ctr" rotWithShape="0">
                     <a:schemeClr val="bg2"/>
@@ -503,7 +537,7 @@
     </p:spTree>
     <p:extLst>
       <p:ext uri="{BB962C8B-B14F-4D97-AF65-F5344CB8AC3E}">
-        <p14:creationId xmlns="" xmlns:p14="http://schemas.microsoft.com/office/powerpoint/2010/main" val="3247838800"/>
+        <p14:creationId xmlns:p14="http://schemas.microsoft.com/office/powerpoint/2010/main" val="3247838800"/>
       </p:ext>
     </p:extLst>
   </p:cSld>
@@ -561,14 +595,14 @@
           <a:effectLst/>
           <a:extLst>
             <a:ext uri="{909E8E84-426E-40DD-AFC4-6F175D3DCCD1}">
-              <a14:hiddenFill xmlns="" xmlns:a14="http://schemas.microsoft.com/office/drawing/2010/main">
+              <a14:hiddenFill xmlns:a14="http://schemas.microsoft.com/office/drawing/2010/main">
                 <a:solidFill>
                   <a:schemeClr val="accent1"/>
                 </a:solidFill>
               </a14:hiddenFill>
             </a:ext>
             <a:ext uri="{91240B29-F687-4F45-9708-019B960494DF}">
-              <a14:hiddenLine xmlns="" xmlns:a14="http://schemas.microsoft.com/office/drawing/2010/main" w="9525">
+              <a14:hiddenLine xmlns:a14="http://schemas.microsoft.com/office/drawing/2010/main" w="9525">
                 <a:solidFill>
                   <a:schemeClr val="tx1"/>
                 </a:solidFill>
@@ -578,7 +612,7 @@
               </a14:hiddenLine>
             </a:ext>
             <a:ext uri="{AF507438-7753-43E0-B8FC-AC1667EBCBE1}">
-              <a14:hiddenEffects xmlns="" xmlns:a14="http://schemas.microsoft.com/office/drawing/2010/main">
+              <a14:hiddenEffects xmlns:a14="http://schemas.microsoft.com/office/drawing/2010/main">
                 <a:effectLst>
                   <a:outerShdw dist="35921" dir="2700000" algn="ctr" rotWithShape="0">
                     <a:schemeClr val="bg2"/>
@@ -634,14 +668,14 @@
           <a:effectLst/>
           <a:extLst>
             <a:ext uri="{909E8E84-426E-40DD-AFC4-6F175D3DCCD1}">
-              <a14:hiddenFill xmlns="" xmlns:a14="http://schemas.microsoft.com/office/drawing/2010/main">
+              <a14:hiddenFill xmlns:a14="http://schemas.microsoft.com/office/drawing/2010/main">
                 <a:solidFill>
                   <a:schemeClr val="accent1"/>
                 </a:solidFill>
               </a14:hiddenFill>
             </a:ext>
             <a:ext uri="{91240B29-F687-4F45-9708-019B960494DF}">
-              <a14:hiddenLine xmlns="" xmlns:a14="http://schemas.microsoft.com/office/drawing/2010/main" w="9525">
+              <a14:hiddenLine xmlns:a14="http://schemas.microsoft.com/office/drawing/2010/main" w="9525">
                 <a:solidFill>
                   <a:schemeClr val="tx1"/>
                 </a:solidFill>
@@ -651,7 +685,7 @@
               </a14:hiddenLine>
             </a:ext>
             <a:ext uri="{AF507438-7753-43E0-B8FC-AC1667EBCBE1}">
-              <a14:hiddenEffects xmlns="" xmlns:a14="http://schemas.microsoft.com/office/drawing/2010/main">
+              <a14:hiddenEffects xmlns:a14="http://schemas.microsoft.com/office/drawing/2010/main">
                 <a:effectLst>
                   <a:outerShdw dist="35921" dir="2700000" algn="ctr" rotWithShape="0">
                     <a:schemeClr val="bg2"/>
@@ -712,14 +746,14 @@
           <a:effectLst/>
           <a:extLst>
             <a:ext uri="{909E8E84-426E-40DD-AFC4-6F175D3DCCD1}">
-              <a14:hiddenFill xmlns="" xmlns:a14="http://schemas.microsoft.com/office/drawing/2010/main">
+              <a14:hiddenFill xmlns:a14="http://schemas.microsoft.com/office/drawing/2010/main">
                 <a:solidFill>
                   <a:srgbClr val="FFFFFF"/>
                 </a:solidFill>
               </a14:hiddenFill>
             </a:ext>
             <a:ext uri="{AF507438-7753-43E0-B8FC-AC1667EBCBE1}">
-              <a14:hiddenEffects xmlns="" xmlns:a14="http://schemas.microsoft.com/office/drawing/2010/main">
+              <a14:hiddenEffects xmlns:a14="http://schemas.microsoft.com/office/drawing/2010/main">
                 <a:effectLst>
                   <a:outerShdw dist="35921" dir="2700000" algn="ctr" rotWithShape="0">
                     <a:srgbClr val="808080"/>
@@ -728,7 +762,7 @@
               </a14:hiddenEffects>
             </a:ext>
             <a:ext uri="{53640926-AAD7-44D8-BBD7-CCE9431645EC}">
-              <a14:shadowObscured xmlns="" xmlns:a14="http://schemas.microsoft.com/office/drawing/2010/main" val="1"/>
+              <a14:shadowObscured xmlns:a14="http://schemas.microsoft.com/office/drawing/2010/main" val="1"/>
             </a:ext>
           </a:extLst>
         </p:spPr>
@@ -758,14 +792,14 @@
           <a:effectLst/>
           <a:extLst>
             <a:ext uri="{909E8E84-426E-40DD-AFC4-6F175D3DCCD1}">
-              <a14:hiddenFill xmlns="" xmlns:a14="http://schemas.microsoft.com/office/drawing/2010/main">
+              <a14:hiddenFill xmlns:a14="http://schemas.microsoft.com/office/drawing/2010/main">
                 <a:solidFill>
                   <a:schemeClr val="accent1"/>
                 </a:solidFill>
               </a14:hiddenFill>
             </a:ext>
             <a:ext uri="{91240B29-F687-4F45-9708-019B960494DF}">
-              <a14:hiddenLine xmlns="" xmlns:a14="http://schemas.microsoft.com/office/drawing/2010/main" w="9525">
+              <a14:hiddenLine xmlns:a14="http://schemas.microsoft.com/office/drawing/2010/main" w="9525">
                 <a:solidFill>
                   <a:schemeClr val="tx1"/>
                 </a:solidFill>
@@ -775,7 +809,7 @@
               </a14:hiddenLine>
             </a:ext>
             <a:ext uri="{AF507438-7753-43E0-B8FC-AC1667EBCBE1}">
-              <a14:hiddenEffects xmlns="" xmlns:a14="http://schemas.microsoft.com/office/drawing/2010/main">
+              <a14:hiddenEffects xmlns:a14="http://schemas.microsoft.com/office/drawing/2010/main">
                 <a:effectLst>
                   <a:outerShdw dist="35921" dir="2700000" algn="ctr" rotWithShape="0">
                     <a:schemeClr val="bg2"/>
@@ -854,14 +888,14 @@
           <a:effectLst/>
           <a:extLst>
             <a:ext uri="{909E8E84-426E-40DD-AFC4-6F175D3DCCD1}">
-              <a14:hiddenFill xmlns="" xmlns:a14="http://schemas.microsoft.com/office/drawing/2010/main">
+              <a14:hiddenFill xmlns:a14="http://schemas.microsoft.com/office/drawing/2010/main">
                 <a:solidFill>
                   <a:schemeClr val="accent1"/>
                 </a:solidFill>
               </a14:hiddenFill>
             </a:ext>
             <a:ext uri="{91240B29-F687-4F45-9708-019B960494DF}">
-              <a14:hiddenLine xmlns="" xmlns:a14="http://schemas.microsoft.com/office/drawing/2010/main" w="9525">
+              <a14:hiddenLine xmlns:a14="http://schemas.microsoft.com/office/drawing/2010/main" w="9525">
                 <a:solidFill>
                   <a:schemeClr val="tx1"/>
                 </a:solidFill>
@@ -871,7 +905,7 @@
               </a14:hiddenLine>
             </a:ext>
             <a:ext uri="{AF507438-7753-43E0-B8FC-AC1667EBCBE1}">
-              <a14:hiddenEffects xmlns="" xmlns:a14="http://schemas.microsoft.com/office/drawing/2010/main">
+              <a14:hiddenEffects xmlns:a14="http://schemas.microsoft.com/office/drawing/2010/main">
                 <a:effectLst>
                   <a:outerShdw dist="35921" dir="2700000" algn="ctr" rotWithShape="0">
                     <a:schemeClr val="bg2"/>
@@ -927,14 +961,14 @@
           <a:effectLst/>
           <a:extLst>
             <a:ext uri="{909E8E84-426E-40DD-AFC4-6F175D3DCCD1}">
-              <a14:hiddenFill xmlns="" xmlns:a14="http://schemas.microsoft.com/office/drawing/2010/main">
+              <a14:hiddenFill xmlns:a14="http://schemas.microsoft.com/office/drawing/2010/main">
                 <a:solidFill>
                   <a:schemeClr val="accent1"/>
                 </a:solidFill>
               </a14:hiddenFill>
             </a:ext>
             <a:ext uri="{91240B29-F687-4F45-9708-019B960494DF}">
-              <a14:hiddenLine xmlns="" xmlns:a14="http://schemas.microsoft.com/office/drawing/2010/main" w="9525">
+              <a14:hiddenLine xmlns:a14="http://schemas.microsoft.com/office/drawing/2010/main" w="9525">
                 <a:solidFill>
                   <a:schemeClr val="tx1"/>
                 </a:solidFill>
@@ -944,7 +978,7 @@
               </a14:hiddenLine>
             </a:ext>
             <a:ext uri="{AF507438-7753-43E0-B8FC-AC1667EBCBE1}">
-              <a14:hiddenEffects xmlns="" xmlns:a14="http://schemas.microsoft.com/office/drawing/2010/main">
+              <a14:hiddenEffects xmlns:a14="http://schemas.microsoft.com/office/drawing/2010/main">
                 <a:effectLst>
                   <a:outerShdw dist="35921" dir="2700000" algn="ctr" rotWithShape="0">
                     <a:schemeClr val="bg2"/>
@@ -985,7 +1019,7 @@
     </p:spTree>
     <p:extLst>
       <p:ext uri="{BB962C8B-B14F-4D97-AF65-F5344CB8AC3E}">
-        <p14:creationId xmlns="" xmlns:p14="http://schemas.microsoft.com/office/powerpoint/2010/main" val="2135787579"/>
+        <p14:creationId xmlns:p14="http://schemas.microsoft.com/office/powerpoint/2010/main" val="2135787579"/>
       </p:ext>
     </p:extLst>
   </p:cSld>
@@ -1308,6 +1342,11 @@
         </p:txBody>
       </p:sp>
     </p:spTree>
+    <p:extLst>
+      <p:ext uri="{BB962C8B-B14F-4D97-AF65-F5344CB8AC3E}">
+        <p14:creationId xmlns:p14="http://schemas.microsoft.com/office/powerpoint/2010/main" val="107639881"/>
+      </p:ext>
+    </p:extLst>
   </p:cSld>
   <p:clrMapOvr>
     <a:masterClrMapping/>
@@ -1526,7 +1565,7 @@
               <a:pPr>
                 <a:defRPr/>
               </a:pPr>
-              <a:t>5</a:t>
+              <a:t>6</a:t>
             </a:fld>
             <a:endParaRPr lang="en-GB"/>
           </a:p>
@@ -1535,7 +1574,7 @@
     </p:spTree>
     <p:extLst>
       <p:ext uri="{BB962C8B-B14F-4D97-AF65-F5344CB8AC3E}">
-        <p14:creationId xmlns="" xmlns:p14="http://schemas.microsoft.com/office/powerpoint/2010/main" val="145630636"/>
+        <p14:creationId xmlns:p14="http://schemas.microsoft.com/office/powerpoint/2010/main" val="145630636"/>
       </p:ext>
     </p:extLst>
   </p:cSld>
@@ -1684,7 +1723,7 @@
               <a:pPr>
                 <a:defRPr/>
               </a:pPr>
-              <a:t>21-Sep-15</a:t>
+              <a:t>27-Sep-15</a:t>
             </a:fld>
             <a:endParaRPr lang="en-US"/>
           </a:p>
@@ -1768,7 +1807,7 @@
     </p:spTree>
     <p:extLst>
       <p:ext uri="{BB962C8B-B14F-4D97-AF65-F5344CB8AC3E}">
-        <p14:creationId xmlns="" xmlns:p14="http://schemas.microsoft.com/office/powerpoint/2010/main" val="527911946"/>
+        <p14:creationId xmlns:p14="http://schemas.microsoft.com/office/powerpoint/2010/main" val="527911946"/>
       </p:ext>
     </p:extLst>
   </p:cSld>
@@ -1983,7 +2022,7 @@
               <a:pPr>
                 <a:defRPr/>
               </a:pPr>
-              <a:t>21-Sep-15</a:t>
+              <a:t>27-Sep-15</a:t>
             </a:fld>
             <a:endParaRPr lang="en-US"/>
           </a:p>
@@ -2067,7 +2106,7 @@
     </p:spTree>
     <p:extLst>
       <p:ext uri="{BB962C8B-B14F-4D97-AF65-F5344CB8AC3E}">
-        <p14:creationId xmlns="" xmlns:p14="http://schemas.microsoft.com/office/powerpoint/2010/main" val="3282952438"/>
+        <p14:creationId xmlns:p14="http://schemas.microsoft.com/office/powerpoint/2010/main" val="3282952438"/>
       </p:ext>
     </p:extLst>
   </p:cSld>
@@ -2198,7 +2237,7 @@
               <a:pPr>
                 <a:defRPr/>
               </a:pPr>
-              <a:t>21-Sep-15</a:t>
+              <a:t>27-Sep-15</a:t>
             </a:fld>
             <a:endParaRPr lang="en-US"/>
           </a:p>
@@ -2282,7 +2321,7 @@
     </p:spTree>
     <p:extLst>
       <p:ext uri="{BB962C8B-B14F-4D97-AF65-F5344CB8AC3E}">
-        <p14:creationId xmlns="" xmlns:p14="http://schemas.microsoft.com/office/powerpoint/2010/main" val="1945742052"/>
+        <p14:creationId xmlns:p14="http://schemas.microsoft.com/office/powerpoint/2010/main" val="1945742052"/>
       </p:ext>
     </p:extLst>
   </p:cSld>
@@ -2423,7 +2462,7 @@
               <a:pPr>
                 <a:defRPr/>
               </a:pPr>
-              <a:t>21-Sep-15</a:t>
+              <a:t>27-Sep-15</a:t>
             </a:fld>
             <a:endParaRPr lang="en-US"/>
           </a:p>
@@ -2507,7 +2546,7 @@
     </p:spTree>
     <p:extLst>
       <p:ext uri="{BB962C8B-B14F-4D97-AF65-F5344CB8AC3E}">
-        <p14:creationId xmlns="" xmlns:p14="http://schemas.microsoft.com/office/powerpoint/2010/main" val="1193468177"/>
+        <p14:creationId xmlns:p14="http://schemas.microsoft.com/office/powerpoint/2010/main" val="1193468177"/>
       </p:ext>
     </p:extLst>
   </p:cSld>
@@ -2638,7 +2677,7 @@
               <a:pPr>
                 <a:defRPr/>
               </a:pPr>
-              <a:t>21-Sep-15</a:t>
+              <a:t>27-Sep-15</a:t>
             </a:fld>
             <a:endParaRPr lang="en-US"/>
           </a:p>
@@ -2722,7 +2761,7 @@
     </p:spTree>
     <p:extLst>
       <p:ext uri="{BB962C8B-B14F-4D97-AF65-F5344CB8AC3E}">
-        <p14:creationId xmlns="" xmlns:p14="http://schemas.microsoft.com/office/powerpoint/2010/main" val="2950734829"/>
+        <p14:creationId xmlns:p14="http://schemas.microsoft.com/office/powerpoint/2010/main" val="2950734829"/>
       </p:ext>
     </p:extLst>
   </p:cSld>
@@ -2875,7 +2914,7 @@
               <a:pPr>
                 <a:defRPr/>
               </a:pPr>
-              <a:t>21-Sep-15</a:t>
+              <a:t>27-Sep-15</a:t>
             </a:fld>
             <a:endParaRPr lang="en-US"/>
           </a:p>
@@ -2959,7 +2998,7 @@
     </p:spTree>
     <p:extLst>
       <p:ext uri="{BB962C8B-B14F-4D97-AF65-F5344CB8AC3E}">
-        <p14:creationId xmlns="" xmlns:p14="http://schemas.microsoft.com/office/powerpoint/2010/main" val="3700818867"/>
+        <p14:creationId xmlns:p14="http://schemas.microsoft.com/office/powerpoint/2010/main" val="3700818867"/>
       </p:ext>
     </p:extLst>
   </p:cSld>
@@ -3208,7 +3247,7 @@
               <a:pPr>
                 <a:defRPr/>
               </a:pPr>
-              <a:t>21-Sep-15</a:t>
+              <a:t>27-Sep-15</a:t>
             </a:fld>
             <a:endParaRPr lang="en-US"/>
           </a:p>
@@ -3292,7 +3331,7 @@
     </p:spTree>
     <p:extLst>
       <p:ext uri="{BB962C8B-B14F-4D97-AF65-F5344CB8AC3E}">
-        <p14:creationId xmlns="" xmlns:p14="http://schemas.microsoft.com/office/powerpoint/2010/main" val="886575330"/>
+        <p14:creationId xmlns:p14="http://schemas.microsoft.com/office/powerpoint/2010/main" val="886575330"/>
       </p:ext>
     </p:extLst>
   </p:cSld>
@@ -3680,7 +3719,7 @@
               <a:pPr>
                 <a:defRPr/>
               </a:pPr>
-              <a:t>21-Sep-15</a:t>
+              <a:t>27-Sep-15</a:t>
             </a:fld>
             <a:endParaRPr lang="en-US"/>
           </a:p>
@@ -3764,7 +3803,7 @@
     </p:spTree>
     <p:extLst>
       <p:ext uri="{BB962C8B-B14F-4D97-AF65-F5344CB8AC3E}">
-        <p14:creationId xmlns="" xmlns:p14="http://schemas.microsoft.com/office/powerpoint/2010/main" val="3538428191"/>
+        <p14:creationId xmlns:p14="http://schemas.microsoft.com/office/powerpoint/2010/main" val="3538428191"/>
       </p:ext>
     </p:extLst>
   </p:cSld>
@@ -3843,7 +3882,7 @@
               <a:pPr>
                 <a:defRPr/>
               </a:pPr>
-              <a:t>21-Sep-15</a:t>
+              <a:t>27-Sep-15</a:t>
             </a:fld>
             <a:endParaRPr lang="en-US"/>
           </a:p>
@@ -3927,7 +3966,7 @@
     </p:spTree>
     <p:extLst>
       <p:ext uri="{BB962C8B-B14F-4D97-AF65-F5344CB8AC3E}">
-        <p14:creationId xmlns="" xmlns:p14="http://schemas.microsoft.com/office/powerpoint/2010/main" val="2555018884"/>
+        <p14:creationId xmlns:p14="http://schemas.microsoft.com/office/powerpoint/2010/main" val="2555018884"/>
       </p:ext>
     </p:extLst>
   </p:cSld>
@@ -3983,7 +4022,7 @@
               <a:pPr>
                 <a:defRPr/>
               </a:pPr>
-              <a:t>21-Sep-15</a:t>
+              <a:t>27-Sep-15</a:t>
             </a:fld>
             <a:endParaRPr lang="en-US"/>
           </a:p>
@@ -4067,7 +4106,7 @@
     </p:spTree>
     <p:extLst>
       <p:ext uri="{BB962C8B-B14F-4D97-AF65-F5344CB8AC3E}">
-        <p14:creationId xmlns="" xmlns:p14="http://schemas.microsoft.com/office/powerpoint/2010/main" val="27668935"/>
+        <p14:creationId xmlns:p14="http://schemas.microsoft.com/office/powerpoint/2010/main" val="27668935"/>
       </p:ext>
     </p:extLst>
   </p:cSld>
@@ -4140,7 +4179,7 @@
               <a:pPr>
                 <a:defRPr/>
               </a:pPr>
-              <a:t>21-Sep-15</a:t>
+              <a:t>27-Sep-15</a:t>
             </a:fld>
             <a:endParaRPr lang="en-US"/>
           </a:p>
@@ -4212,7 +4251,7 @@
     </p:spTree>
     <p:extLst>
       <p:ext uri="{BB962C8B-B14F-4D97-AF65-F5344CB8AC3E}">
-        <p14:creationId xmlns="" xmlns:p14="http://schemas.microsoft.com/office/powerpoint/2010/main" val="1658973383"/>
+        <p14:creationId xmlns:p14="http://schemas.microsoft.com/office/powerpoint/2010/main" val="1658973383"/>
       </p:ext>
     </p:extLst>
   </p:cSld>
@@ -4450,7 +4489,7 @@
               <a:pPr>
                 <a:defRPr/>
               </a:pPr>
-              <a:t>21-Sep-15</a:t>
+              <a:t>27-Sep-15</a:t>
             </a:fld>
             <a:endParaRPr lang="en-US"/>
           </a:p>
@@ -4534,7 +4573,7 @@
     </p:spTree>
     <p:extLst>
       <p:ext uri="{BB962C8B-B14F-4D97-AF65-F5344CB8AC3E}">
-        <p14:creationId xmlns="" xmlns:p14="http://schemas.microsoft.com/office/powerpoint/2010/main" val="2222595902"/>
+        <p14:creationId xmlns:p14="http://schemas.microsoft.com/office/powerpoint/2010/main" val="2222595902"/>
       </p:ext>
     </p:extLst>
   </p:cSld>
@@ -4581,7 +4620,7 @@
           <a:blip r:embed="rId14" cstate="print">
             <a:extLst>
               <a:ext uri="{28A0092B-C50C-407E-A947-70E740481C1C}">
-                <a14:useLocalDpi xmlns="" xmlns:a14="http://schemas.microsoft.com/office/drawing/2010/main" val="0"/>
+                <a14:useLocalDpi xmlns:a14="http://schemas.microsoft.com/office/drawing/2010/main" val="0"/>
               </a:ext>
             </a:extLst>
           </a:blip>
@@ -4604,14 +4643,14 @@
           </a:ln>
           <a:extLst>
             <a:ext uri="{909E8E84-426E-40DD-AFC4-6F175D3DCCD1}">
-              <a14:hiddenFill xmlns="" xmlns:a14="http://schemas.microsoft.com/office/drawing/2010/main">
+              <a14:hiddenFill xmlns:a14="http://schemas.microsoft.com/office/drawing/2010/main">
                 <a:solidFill>
                   <a:srgbClr val="FFFFFF"/>
                 </a:solidFill>
               </a14:hiddenFill>
             </a:ext>
             <a:ext uri="{91240B29-F687-4F45-9708-019B960494DF}">
-              <a14:hiddenLine xmlns="" xmlns:a14="http://schemas.microsoft.com/office/drawing/2010/main" w="9525">
+              <a14:hiddenLine xmlns:a14="http://schemas.microsoft.com/office/drawing/2010/main" w="9525">
                 <a:solidFill>
                   <a:srgbClr val="000000"/>
                 </a:solidFill>
@@ -4651,12 +4690,12 @@
           <a:effectLst/>
           <a:extLst>
             <a:ext uri="{909E8E84-426E-40DD-AFC4-6F175D3DCCD1}">
-              <a14:hiddenFill xmlns="" xmlns:a14="http://schemas.microsoft.com/office/drawing/2010/main">
+              <a14:hiddenFill xmlns:a14="http://schemas.microsoft.com/office/drawing/2010/main">
                 <a:noFill/>
               </a14:hiddenFill>
             </a:ext>
             <a:ext uri="{AF507438-7753-43E0-B8FC-AC1667EBCBE1}">
-              <a14:hiddenEffects xmlns="" xmlns:a14="http://schemas.microsoft.com/office/drawing/2010/main">
+              <a14:hiddenEffects xmlns:a14="http://schemas.microsoft.com/office/drawing/2010/main">
                 <a:effectLst>
                   <a:outerShdw dist="35921" dir="2700000" algn="ctr" rotWithShape="0">
                     <a:schemeClr val="bg2"/>
@@ -4686,7 +4725,7 @@
           <a:blip r:embed="rId14" cstate="print">
             <a:extLst>
               <a:ext uri="{28A0092B-C50C-407E-A947-70E740481C1C}">
-                <a14:useLocalDpi xmlns="" xmlns:a14="http://schemas.microsoft.com/office/drawing/2010/main" val="0"/>
+                <a14:useLocalDpi xmlns:a14="http://schemas.microsoft.com/office/drawing/2010/main" val="0"/>
               </a:ext>
             </a:extLst>
           </a:blip>
@@ -4709,14 +4748,14 @@
           </a:ln>
           <a:extLst>
             <a:ext uri="{909E8E84-426E-40DD-AFC4-6F175D3DCCD1}">
-              <a14:hiddenFill xmlns="" xmlns:a14="http://schemas.microsoft.com/office/drawing/2010/main">
+              <a14:hiddenFill xmlns:a14="http://schemas.microsoft.com/office/drawing/2010/main">
                 <a:solidFill>
                   <a:srgbClr val="FFFFFF"/>
                 </a:solidFill>
               </a14:hiddenFill>
             </a:ext>
             <a:ext uri="{91240B29-F687-4F45-9708-019B960494DF}">
-              <a14:hiddenLine xmlns="" xmlns:a14="http://schemas.microsoft.com/office/drawing/2010/main" w="9525">
+              <a14:hiddenLine xmlns:a14="http://schemas.microsoft.com/office/drawing/2010/main" w="9525">
                 <a:solidFill>
                   <a:srgbClr val="000000"/>
                 </a:solidFill>
@@ -4753,14 +4792,14 @@
           <a:effectLst/>
           <a:extLst>
             <a:ext uri="{909E8E84-426E-40DD-AFC4-6F175D3DCCD1}">
-              <a14:hiddenFill xmlns="" xmlns:a14="http://schemas.microsoft.com/office/drawing/2010/main">
+              <a14:hiddenFill xmlns:a14="http://schemas.microsoft.com/office/drawing/2010/main">
                 <a:solidFill>
                   <a:schemeClr val="accent1"/>
                 </a:solidFill>
               </a14:hiddenFill>
             </a:ext>
             <a:ext uri="{91240B29-F687-4F45-9708-019B960494DF}">
-              <a14:hiddenLine xmlns="" xmlns:a14="http://schemas.microsoft.com/office/drawing/2010/main" w="9525">
+              <a14:hiddenLine xmlns:a14="http://schemas.microsoft.com/office/drawing/2010/main" w="9525">
                 <a:solidFill>
                   <a:schemeClr val="tx1"/>
                 </a:solidFill>
@@ -4770,7 +4809,7 @@
               </a14:hiddenLine>
             </a:ext>
             <a:ext uri="{AF507438-7753-43E0-B8FC-AC1667EBCBE1}">
-              <a14:hiddenEffects xmlns="" xmlns:a14="http://schemas.microsoft.com/office/drawing/2010/main">
+              <a14:hiddenEffects xmlns:a14="http://schemas.microsoft.com/office/drawing/2010/main">
                 <a:effectLst>
                   <a:outerShdw dist="35921" dir="2700000" algn="ctr" rotWithShape="0">
                     <a:schemeClr val="bg2"/>
@@ -4821,14 +4860,14 @@
           <a:effectLst/>
           <a:extLst>
             <a:ext uri="{909E8E84-426E-40DD-AFC4-6F175D3DCCD1}">
-              <a14:hiddenFill xmlns="" xmlns:a14="http://schemas.microsoft.com/office/drawing/2010/main">
+              <a14:hiddenFill xmlns:a14="http://schemas.microsoft.com/office/drawing/2010/main">
                 <a:solidFill>
                   <a:schemeClr val="accent1"/>
                 </a:solidFill>
               </a14:hiddenFill>
             </a:ext>
             <a:ext uri="{91240B29-F687-4F45-9708-019B960494DF}">
-              <a14:hiddenLine xmlns="" xmlns:a14="http://schemas.microsoft.com/office/drawing/2010/main" w="9525">
+              <a14:hiddenLine xmlns:a14="http://schemas.microsoft.com/office/drawing/2010/main" w="9525">
                 <a:solidFill>
                   <a:schemeClr val="tx1"/>
                 </a:solidFill>
@@ -4838,7 +4877,7 @@
               </a14:hiddenLine>
             </a:ext>
             <a:ext uri="{AF507438-7753-43E0-B8FC-AC1667EBCBE1}">
-              <a14:hiddenEffects xmlns="" xmlns:a14="http://schemas.microsoft.com/office/drawing/2010/main">
+              <a14:hiddenEffects xmlns:a14="http://schemas.microsoft.com/office/drawing/2010/main">
                 <a:effectLst>
                   <a:outerShdw dist="35921" dir="2700000" algn="ctr" rotWithShape="0">
                     <a:schemeClr val="bg2"/>
@@ -4917,14 +4956,14 @@
           <a:effectLst/>
           <a:extLst>
             <a:ext uri="{909E8E84-426E-40DD-AFC4-6F175D3DCCD1}">
-              <a14:hiddenFill xmlns="" xmlns:a14="http://schemas.microsoft.com/office/drawing/2010/main">
+              <a14:hiddenFill xmlns:a14="http://schemas.microsoft.com/office/drawing/2010/main">
                 <a:solidFill>
                   <a:schemeClr val="accent1"/>
                 </a:solidFill>
               </a14:hiddenFill>
             </a:ext>
             <a:ext uri="{91240B29-F687-4F45-9708-019B960494DF}">
-              <a14:hiddenLine xmlns="" xmlns:a14="http://schemas.microsoft.com/office/drawing/2010/main" w="9525">
+              <a14:hiddenLine xmlns:a14="http://schemas.microsoft.com/office/drawing/2010/main" w="9525">
                 <a:solidFill>
                   <a:schemeClr val="tx1"/>
                 </a:solidFill>
@@ -4934,7 +4973,7 @@
               </a14:hiddenLine>
             </a:ext>
             <a:ext uri="{AF507438-7753-43E0-B8FC-AC1667EBCBE1}">
-              <a14:hiddenEffects xmlns="" xmlns:a14="http://schemas.microsoft.com/office/drawing/2010/main">
+              <a14:hiddenEffects xmlns:a14="http://schemas.microsoft.com/office/drawing/2010/main">
                 <a:effectLst>
                   <a:outerShdw dist="35921" dir="2700000" algn="ctr" rotWithShape="0">
                     <a:schemeClr val="bg2"/>
@@ -4964,7 +5003,7 @@
               <a:pPr>
                 <a:defRPr/>
               </a:pPr>
-              <a:t>21-Sep-15</a:t>
+              <a:t>27-Sep-15</a:t>
             </a:fld>
             <a:endParaRPr lang="en-US" dirty="0"/>
           </a:p>
@@ -4995,14 +5034,14 @@
           <a:effectLst/>
           <a:extLst>
             <a:ext uri="{909E8E84-426E-40DD-AFC4-6F175D3DCCD1}">
-              <a14:hiddenFill xmlns="" xmlns:a14="http://schemas.microsoft.com/office/drawing/2010/main">
+              <a14:hiddenFill xmlns:a14="http://schemas.microsoft.com/office/drawing/2010/main">
                 <a:solidFill>
                   <a:schemeClr val="accent1"/>
                 </a:solidFill>
               </a14:hiddenFill>
             </a:ext>
             <a:ext uri="{91240B29-F687-4F45-9708-019B960494DF}">
-              <a14:hiddenLine xmlns="" xmlns:a14="http://schemas.microsoft.com/office/drawing/2010/main" w="9525">
+              <a14:hiddenLine xmlns:a14="http://schemas.microsoft.com/office/drawing/2010/main" w="9525">
                 <a:solidFill>
                   <a:schemeClr val="tx1"/>
                 </a:solidFill>
@@ -5012,7 +5051,7 @@
               </a14:hiddenLine>
             </a:ext>
             <a:ext uri="{AF507438-7753-43E0-B8FC-AC1667EBCBE1}">
-              <a14:hiddenEffects xmlns="" xmlns:a14="http://schemas.microsoft.com/office/drawing/2010/main">
+              <a14:hiddenEffects xmlns:a14="http://schemas.microsoft.com/office/drawing/2010/main">
                 <a:effectLst>
                   <a:outerShdw dist="35921" dir="2700000" algn="ctr" rotWithShape="0">
                     <a:schemeClr val="bg2"/>
@@ -5074,14 +5113,14 @@
           <a:effectLst/>
           <a:extLst>
             <a:ext uri="{909E8E84-426E-40DD-AFC4-6F175D3DCCD1}">
-              <a14:hiddenFill xmlns="" xmlns:a14="http://schemas.microsoft.com/office/drawing/2010/main">
+              <a14:hiddenFill xmlns:a14="http://schemas.microsoft.com/office/drawing/2010/main">
                 <a:solidFill>
                   <a:schemeClr val="accent1"/>
                 </a:solidFill>
               </a14:hiddenFill>
             </a:ext>
             <a:ext uri="{91240B29-F687-4F45-9708-019B960494DF}">
-              <a14:hiddenLine xmlns="" xmlns:a14="http://schemas.microsoft.com/office/drawing/2010/main" w="9525">
+              <a14:hiddenLine xmlns:a14="http://schemas.microsoft.com/office/drawing/2010/main" w="9525">
                 <a:solidFill>
                   <a:schemeClr val="tx1"/>
                 </a:solidFill>
@@ -5091,7 +5130,7 @@
               </a14:hiddenLine>
             </a:ext>
             <a:ext uri="{AF507438-7753-43E0-B8FC-AC1667EBCBE1}">
-              <a14:hiddenEffects xmlns="" xmlns:a14="http://schemas.microsoft.com/office/drawing/2010/main">
+              <a14:hiddenEffects xmlns:a14="http://schemas.microsoft.com/office/drawing/2010/main">
                 <a:effectLst>
                   <a:outerShdw dist="35921" dir="2700000" algn="ctr" rotWithShape="0">
                     <a:schemeClr val="bg2"/>
@@ -5159,12 +5198,12 @@
           <a:effectLst/>
           <a:extLst>
             <a:ext uri="{909E8E84-426E-40DD-AFC4-6F175D3DCCD1}">
-              <a14:hiddenFill xmlns="" xmlns:a14="http://schemas.microsoft.com/office/drawing/2010/main">
+              <a14:hiddenFill xmlns:a14="http://schemas.microsoft.com/office/drawing/2010/main">
                 <a:noFill/>
               </a14:hiddenFill>
             </a:ext>
             <a:ext uri="{AF507438-7753-43E0-B8FC-AC1667EBCBE1}">
-              <a14:hiddenEffects xmlns="" xmlns:a14="http://schemas.microsoft.com/office/drawing/2010/main">
+              <a14:hiddenEffects xmlns:a14="http://schemas.microsoft.com/office/drawing/2010/main">
                 <a:effectLst>
                   <a:outerShdw dist="35921" dir="2700000" algn="ctr" rotWithShape="0">
                     <a:schemeClr val="bg2"/>
@@ -5210,12 +5249,12 @@
           <a:effectLst/>
           <a:extLst>
             <a:ext uri="{909E8E84-426E-40DD-AFC4-6F175D3DCCD1}">
-              <a14:hiddenFill xmlns="" xmlns:a14="http://schemas.microsoft.com/office/drawing/2010/main">
+              <a14:hiddenFill xmlns:a14="http://schemas.microsoft.com/office/drawing/2010/main">
                 <a:noFill/>
               </a14:hiddenFill>
             </a:ext>
             <a:ext uri="{AF507438-7753-43E0-B8FC-AC1667EBCBE1}">
-              <a14:hiddenEffects xmlns="" xmlns:a14="http://schemas.microsoft.com/office/drawing/2010/main">
+              <a14:hiddenEffects xmlns:a14="http://schemas.microsoft.com/office/drawing/2010/main">
                 <a:effectLst>
                   <a:outerShdw dist="35921" dir="2700000" algn="ctr" rotWithShape="0">
                     <a:schemeClr val="bg2"/>
@@ -5261,12 +5300,12 @@
           <a:effectLst/>
           <a:extLst>
             <a:ext uri="{909E8E84-426E-40DD-AFC4-6F175D3DCCD1}">
-              <a14:hiddenFill xmlns="" xmlns:a14="http://schemas.microsoft.com/office/drawing/2010/main">
+              <a14:hiddenFill xmlns:a14="http://schemas.microsoft.com/office/drawing/2010/main">
                 <a:noFill/>
               </a14:hiddenFill>
             </a:ext>
             <a:ext uri="{AF507438-7753-43E0-B8FC-AC1667EBCBE1}">
-              <a14:hiddenEffects xmlns="" xmlns:a14="http://schemas.microsoft.com/office/drawing/2010/main">
+              <a14:hiddenEffects xmlns:a14="http://schemas.microsoft.com/office/drawing/2010/main">
                 <a:effectLst>
                   <a:outerShdw dist="35921" dir="2700000" algn="ctr" rotWithShape="0">
                     <a:schemeClr val="bg2"/>
@@ -5312,12 +5351,12 @@
           <a:effectLst/>
           <a:extLst>
             <a:ext uri="{909E8E84-426E-40DD-AFC4-6F175D3DCCD1}">
-              <a14:hiddenFill xmlns="" xmlns:a14="http://schemas.microsoft.com/office/drawing/2010/main">
+              <a14:hiddenFill xmlns:a14="http://schemas.microsoft.com/office/drawing/2010/main">
                 <a:noFill/>
               </a14:hiddenFill>
             </a:ext>
             <a:ext uri="{AF507438-7753-43E0-B8FC-AC1667EBCBE1}">
-              <a14:hiddenEffects xmlns="" xmlns:a14="http://schemas.microsoft.com/office/drawing/2010/main">
+              <a14:hiddenEffects xmlns:a14="http://schemas.microsoft.com/office/drawing/2010/main">
                 <a:effectLst>
                   <a:outerShdw dist="35921" dir="2700000" algn="ctr" rotWithShape="0">
                     <a:schemeClr val="bg2"/>
@@ -5347,7 +5386,7 @@
           <a:blip r:embed="rId15" cstate="print">
             <a:extLst>
               <a:ext uri="{28A0092B-C50C-407E-A947-70E740481C1C}">
-                <a14:useLocalDpi xmlns="" xmlns:a14="http://schemas.microsoft.com/office/drawing/2010/main" val="0"/>
+                <a14:useLocalDpi xmlns:a14="http://schemas.microsoft.com/office/drawing/2010/main" val="0"/>
               </a:ext>
             </a:extLst>
           </a:blip>
@@ -5370,14 +5409,14 @@
           </a:ln>
           <a:extLst>
             <a:ext uri="{909E8E84-426E-40DD-AFC4-6F175D3DCCD1}">
-              <a14:hiddenFill xmlns="" xmlns:a14="http://schemas.microsoft.com/office/drawing/2010/main">
+              <a14:hiddenFill xmlns:a14="http://schemas.microsoft.com/office/drawing/2010/main">
                 <a:solidFill>
                   <a:srgbClr val="FFFFFF"/>
                 </a:solidFill>
               </a14:hiddenFill>
             </a:ext>
             <a:ext uri="{91240B29-F687-4F45-9708-019B960494DF}">
-              <a14:hiddenLine xmlns="" xmlns:a14="http://schemas.microsoft.com/office/drawing/2010/main" w="9525">
+              <a14:hiddenLine xmlns:a14="http://schemas.microsoft.com/office/drawing/2010/main" w="9525">
                 <a:solidFill>
                   <a:srgbClr val="000000"/>
                 </a:solidFill>
@@ -5401,7 +5440,7 @@
           <a:blip r:embed="rId16" cstate="print">
             <a:extLst>
               <a:ext uri="{28A0092B-C50C-407E-A947-70E740481C1C}">
-                <a14:useLocalDpi xmlns="" xmlns:a14="http://schemas.microsoft.com/office/drawing/2010/main" val="0"/>
+                <a14:useLocalDpi xmlns:a14="http://schemas.microsoft.com/office/drawing/2010/main" val="0"/>
               </a:ext>
             </a:extLst>
           </a:blip>
@@ -5424,14 +5463,14 @@
           </a:ln>
           <a:extLst>
             <a:ext uri="{909E8E84-426E-40DD-AFC4-6F175D3DCCD1}">
-              <a14:hiddenFill xmlns="" xmlns:a14="http://schemas.microsoft.com/office/drawing/2010/main">
+              <a14:hiddenFill xmlns:a14="http://schemas.microsoft.com/office/drawing/2010/main">
                 <a:solidFill>
                   <a:srgbClr val="FFFFFF"/>
                 </a:solidFill>
               </a14:hiddenFill>
             </a:ext>
             <a:ext uri="{91240B29-F687-4F45-9708-019B960494DF}">
-              <a14:hiddenLine xmlns="" xmlns:a14="http://schemas.microsoft.com/office/drawing/2010/main" w="9525">
+              <a14:hiddenLine xmlns:a14="http://schemas.microsoft.com/office/drawing/2010/main" w="9525">
                 <a:solidFill>
                   <a:srgbClr val="000000"/>
                 </a:solidFill>
@@ -6070,7 +6109,7 @@
             <a:fld id="{F7D3E634-46B0-4104-B8D4-4602278630F2}" type="datetime5">
               <a:rPr lang="en-US"/>
               <a:pPr/>
-              <a:t>21-Sep-15</a:t>
+              <a:t>27-Sep-15</a:t>
             </a:fld>
             <a:endParaRPr lang="en-US"/>
           </a:p>
@@ -6222,6 +6261,618 @@
 </p:sld>
 </file>
 
+<file path=ppt/slides/slide10.xml><?xml version="1.0" encoding="utf-8"?>
+<p:sld xmlns:a="http://schemas.openxmlformats.org/drawingml/2006/main" xmlns:r="http://schemas.openxmlformats.org/officeDocument/2006/relationships" xmlns:p="http://schemas.openxmlformats.org/presentationml/2006/main">
+  <p:cSld>
+    <p:spTree>
+      <p:nvGrpSpPr>
+        <p:cNvPr id="1" name=""/>
+        <p:cNvGrpSpPr/>
+        <p:nvPr/>
+      </p:nvGrpSpPr>
+      <p:grpSpPr>
+        <a:xfrm>
+          <a:off x="0" y="0"/>
+          <a:ext cx="0" cy="0"/>
+          <a:chOff x="0" y="0"/>
+          <a:chExt cx="0" cy="0"/>
+        </a:xfrm>
+      </p:grpSpPr>
+      <p:sp>
+        <p:nvSpPr>
+          <p:cNvPr id="2" name="Title 1"/>
+          <p:cNvSpPr>
+            <a:spLocks noGrp="1"/>
+          </p:cNvSpPr>
+          <p:nvPr>
+            <p:ph type="title"/>
+          </p:nvPr>
+        </p:nvSpPr>
+        <p:spPr/>
+        <p:txBody>
+          <a:bodyPr/>
+          <a:lstStyle/>
+          <a:p>
+            <a:r>
+              <a:rPr lang="nl-NL" dirty="0" smtClean="0"/>
+              <a:t>System overview (exit)</a:t>
+            </a:r>
+            <a:endParaRPr lang="nl-NL" dirty="0"/>
+          </a:p>
+        </p:txBody>
+      </p:sp>
+      <p:sp>
+        <p:nvSpPr>
+          <p:cNvPr id="4" name="Date Placeholder 3"/>
+          <p:cNvSpPr>
+            <a:spLocks noGrp="1"/>
+          </p:cNvSpPr>
+          <p:nvPr>
+            <p:ph type="dt" sz="half" idx="10"/>
+          </p:nvPr>
+        </p:nvSpPr>
+        <p:spPr/>
+        <p:txBody>
+          <a:bodyPr/>
+          <a:lstStyle/>
+          <a:p>
+            <a:pPr>
+              <a:defRPr/>
+            </a:pPr>
+            <a:fld id="{6F79399D-A148-40D2-814E-E28BC31D44AD}" type="datetime5">
+              <a:rPr lang="en-US" smtClean="0"/>
+              <a:pPr>
+                <a:defRPr/>
+              </a:pPr>
+              <a:t>27-Sep-15</a:t>
+            </a:fld>
+            <a:endParaRPr lang="en-US"/>
+          </a:p>
+        </p:txBody>
+      </p:sp>
+      <p:sp>
+        <p:nvSpPr>
+          <p:cNvPr id="5" name="Footer Placeholder 4"/>
+          <p:cNvSpPr>
+            <a:spLocks noGrp="1"/>
+          </p:cNvSpPr>
+          <p:nvPr>
+            <p:ph type="ftr" sz="quarter" idx="11"/>
+          </p:nvPr>
+        </p:nvSpPr>
+        <p:spPr/>
+        <p:txBody>
+          <a:bodyPr/>
+          <a:lstStyle/>
+          <a:p>
+            <a:pPr>
+              <a:defRPr/>
+            </a:pPr>
+            <a:r>
+              <a:rPr lang="en-US" smtClean="0"/>
+              <a:t>Rudolf Mak </a:t>
+            </a:r>
+            <a:r>
+              <a:rPr lang="en-GB" smtClean="0"/>
+              <a:t>TU/e Computer Science</a:t>
+            </a:r>
+            <a:endParaRPr lang="en-US"/>
+          </a:p>
+        </p:txBody>
+      </p:sp>
+      <p:sp>
+        <p:nvSpPr>
+          <p:cNvPr id="6" name="Slide Number Placeholder 5"/>
+          <p:cNvSpPr>
+            <a:spLocks noGrp="1"/>
+          </p:cNvSpPr>
+          <p:nvPr>
+            <p:ph type="sldNum" sz="quarter" idx="12"/>
+          </p:nvPr>
+        </p:nvSpPr>
+        <p:spPr/>
+        <p:txBody>
+          <a:bodyPr/>
+          <a:lstStyle/>
+          <a:p>
+            <a:pPr>
+              <a:defRPr/>
+            </a:pPr>
+            <a:r>
+              <a:rPr lang="en-US" smtClean="0"/>
+              <a:t>2IMN10-HW1 </a:t>
+            </a:r>
+            <a:fld id="{D2495B23-F071-4F35-8704-05653A066BA5}" type="slidenum">
+              <a:rPr lang="en-US" smtClean="0"/>
+              <a:pPr>
+                <a:defRPr/>
+              </a:pPr>
+              <a:t>10</a:t>
+            </a:fld>
+            <a:endParaRPr lang="en-US" dirty="0"/>
+          </a:p>
+        </p:txBody>
+      </p:sp>
+      <p:pic>
+        <p:nvPicPr>
+          <p:cNvPr id="9" name="Content Placeholder 8"/>
+          <p:cNvPicPr>
+            <a:picLocks noGrp="1" noChangeAspect="1"/>
+          </p:cNvPicPr>
+          <p:nvPr>
+            <p:ph idx="1"/>
+          </p:nvPr>
+        </p:nvPicPr>
+        <p:blipFill>
+          <a:blip r:embed="rId2">
+            <a:extLst>
+              <a:ext uri="{28A0092B-C50C-407E-A947-70E740481C1C}">
+                <a14:useLocalDpi xmlns:a14="http://schemas.microsoft.com/office/drawing/2010/main" val="0"/>
+              </a:ext>
+            </a:extLst>
+          </a:blip>
+          <a:stretch>
+            <a:fillRect/>
+          </a:stretch>
+        </p:blipFill>
+        <p:spPr>
+          <a:xfrm>
+            <a:off x="533400" y="1326105"/>
+            <a:ext cx="8077200" cy="4586790"/>
+          </a:xfrm>
+        </p:spPr>
+      </p:pic>
+    </p:spTree>
+    <p:extLst>
+      <p:ext uri="{BB962C8B-B14F-4D97-AF65-F5344CB8AC3E}">
+        <p14:creationId xmlns:p14="http://schemas.microsoft.com/office/powerpoint/2010/main" val="1442015153"/>
+      </p:ext>
+    </p:extLst>
+  </p:cSld>
+  <p:clrMapOvr>
+    <a:masterClrMapping/>
+  </p:clrMapOvr>
+</p:sld>
+</file>
+
+<file path=ppt/slides/slide11.xml><?xml version="1.0" encoding="utf-8"?>
+<p:sld xmlns:a="http://schemas.openxmlformats.org/drawingml/2006/main" xmlns:r="http://schemas.openxmlformats.org/officeDocument/2006/relationships" xmlns:p="http://schemas.openxmlformats.org/presentationml/2006/main">
+  <p:cSld>
+    <p:spTree>
+      <p:nvGrpSpPr>
+        <p:cNvPr id="1" name=""/>
+        <p:cNvGrpSpPr/>
+        <p:nvPr/>
+      </p:nvGrpSpPr>
+      <p:grpSpPr>
+        <a:xfrm>
+          <a:off x="0" y="0"/>
+          <a:ext cx="0" cy="0"/>
+          <a:chOff x="0" y="0"/>
+          <a:chExt cx="0" cy="0"/>
+        </a:xfrm>
+      </p:grpSpPr>
+      <p:sp>
+        <p:nvSpPr>
+          <p:cNvPr id="2" name="Title 1"/>
+          <p:cNvSpPr>
+            <a:spLocks noGrp="1"/>
+          </p:cNvSpPr>
+          <p:nvPr>
+            <p:ph type="title"/>
+          </p:nvPr>
+        </p:nvSpPr>
+        <p:spPr/>
+        <p:txBody>
+          <a:bodyPr/>
+          <a:lstStyle/>
+          <a:p>
+            <a:r>
+              <a:rPr lang="nl-NL" dirty="0" smtClean="0"/>
+              <a:t>System overview</a:t>
+            </a:r>
+            <a:endParaRPr lang="nl-NL" dirty="0"/>
+          </a:p>
+        </p:txBody>
+      </p:sp>
+      <p:sp>
+        <p:nvSpPr>
+          <p:cNvPr id="3" name="Content Placeholder 2"/>
+          <p:cNvSpPr>
+            <a:spLocks noGrp="1"/>
+          </p:cNvSpPr>
+          <p:nvPr>
+            <p:ph idx="1"/>
+          </p:nvPr>
+        </p:nvSpPr>
+        <p:spPr/>
+        <p:txBody>
+          <a:bodyPr/>
+          <a:lstStyle/>
+          <a:p>
+            <a:r>
+              <a:rPr lang="nl-NL" sz="1400" b="1" dirty="0" smtClean="0"/>
+              <a:t>Information: </a:t>
+            </a:r>
+            <a:r>
+              <a:rPr lang="nl-NL" sz="1200" dirty="0" smtClean="0"/>
+              <a:t>The system overview models given above visualize the interaction between the system and the user, along with the most general actions the both of them perform in the interaction. The actual implementation with function calls and database checks are left out, it is simply an abstract overview.</a:t>
+            </a:r>
+          </a:p>
+          <a:p>
+            <a:r>
+              <a:rPr lang="nl-NL" sz="1200" dirty="0"/>
+              <a:t>	</a:t>
+            </a:r>
+            <a:r>
+              <a:rPr lang="nl-NL" sz="1200" dirty="0" smtClean="0"/>
+              <a:t>Actions taken by the user of the system are displayed in ellipses, while actions taken by the system are given in rectangles.</a:t>
+            </a:r>
+          </a:p>
+          <a:p>
+            <a:r>
+              <a:rPr lang="nl-NL" sz="1400" b="1" dirty="0" smtClean="0"/>
+              <a:t>Stakeholders: </a:t>
+            </a:r>
+            <a:r>
+              <a:rPr lang="nl-NL" sz="1200" dirty="0" smtClean="0"/>
+              <a:t>The models are useful to system acquirers, as it gives a clear overview of what the system is supposed to do, where many other models are often far too detailed. This is also useful to system developers to refer to when the internal system development becomes to complex.</a:t>
+            </a:r>
+          </a:p>
+          <a:p>
+            <a:r>
+              <a:rPr lang="nl-NL" sz="1400" b="1" dirty="0" smtClean="0"/>
+              <a:t>Views: </a:t>
+            </a:r>
+            <a:r>
+              <a:rPr lang="nl-NL" sz="1200" dirty="0" smtClean="0"/>
+              <a:t>The models mostly concern the logical view. The main aspects of interaction with the system are shown, without actually showing implementation details.</a:t>
+            </a:r>
+            <a:endParaRPr lang="nl-NL" sz="1200" dirty="0"/>
+          </a:p>
+        </p:txBody>
+      </p:sp>
+      <p:sp>
+        <p:nvSpPr>
+          <p:cNvPr id="4" name="Date Placeholder 3"/>
+          <p:cNvSpPr>
+            <a:spLocks noGrp="1"/>
+          </p:cNvSpPr>
+          <p:nvPr>
+            <p:ph type="dt" sz="half" idx="10"/>
+          </p:nvPr>
+        </p:nvSpPr>
+        <p:spPr/>
+        <p:txBody>
+          <a:bodyPr/>
+          <a:lstStyle/>
+          <a:p>
+            <a:pPr>
+              <a:defRPr/>
+            </a:pPr>
+            <a:fld id="{6F79399D-A148-40D2-814E-E28BC31D44AD}" type="datetime5">
+              <a:rPr lang="en-US" smtClean="0"/>
+              <a:pPr>
+                <a:defRPr/>
+              </a:pPr>
+              <a:t>27-Sep-15</a:t>
+            </a:fld>
+            <a:endParaRPr lang="en-US"/>
+          </a:p>
+        </p:txBody>
+      </p:sp>
+      <p:sp>
+        <p:nvSpPr>
+          <p:cNvPr id="5" name="Footer Placeholder 4"/>
+          <p:cNvSpPr>
+            <a:spLocks noGrp="1"/>
+          </p:cNvSpPr>
+          <p:nvPr>
+            <p:ph type="ftr" sz="quarter" idx="11"/>
+          </p:nvPr>
+        </p:nvSpPr>
+        <p:spPr/>
+        <p:txBody>
+          <a:bodyPr/>
+          <a:lstStyle/>
+          <a:p>
+            <a:pPr>
+              <a:defRPr/>
+            </a:pPr>
+            <a:r>
+              <a:rPr lang="en-US" smtClean="0"/>
+              <a:t>Rudolf Mak </a:t>
+            </a:r>
+            <a:r>
+              <a:rPr lang="en-GB" smtClean="0"/>
+              <a:t>TU/e Computer Science</a:t>
+            </a:r>
+            <a:endParaRPr lang="en-US"/>
+          </a:p>
+        </p:txBody>
+      </p:sp>
+      <p:sp>
+        <p:nvSpPr>
+          <p:cNvPr id="6" name="Slide Number Placeholder 5"/>
+          <p:cNvSpPr>
+            <a:spLocks noGrp="1"/>
+          </p:cNvSpPr>
+          <p:nvPr>
+            <p:ph type="sldNum" sz="quarter" idx="12"/>
+          </p:nvPr>
+        </p:nvSpPr>
+        <p:spPr/>
+        <p:txBody>
+          <a:bodyPr/>
+          <a:lstStyle/>
+          <a:p>
+            <a:pPr>
+              <a:defRPr/>
+            </a:pPr>
+            <a:r>
+              <a:rPr lang="en-US" smtClean="0"/>
+              <a:t>2IMN10-HW1 </a:t>
+            </a:r>
+            <a:fld id="{D2495B23-F071-4F35-8704-05653A066BA5}" type="slidenum">
+              <a:rPr lang="en-US" smtClean="0"/>
+              <a:pPr>
+                <a:defRPr/>
+              </a:pPr>
+              <a:t>11</a:t>
+            </a:fld>
+            <a:endParaRPr lang="en-US" dirty="0"/>
+          </a:p>
+        </p:txBody>
+      </p:sp>
+    </p:spTree>
+    <p:extLst>
+      <p:ext uri="{BB962C8B-B14F-4D97-AF65-F5344CB8AC3E}">
+        <p14:creationId xmlns:p14="http://schemas.microsoft.com/office/powerpoint/2010/main" val="983073970"/>
+      </p:ext>
+    </p:extLst>
+  </p:cSld>
+  <p:clrMapOvr>
+    <a:masterClrMapping/>
+  </p:clrMapOvr>
+</p:sld>
+</file>
+
+<file path=ppt/slides/slide12.xml><?xml version="1.0" encoding="utf-8"?>
+<p:sld xmlns:a="http://schemas.openxmlformats.org/drawingml/2006/main" xmlns:r="http://schemas.openxmlformats.org/officeDocument/2006/relationships" xmlns:p="http://schemas.openxmlformats.org/presentationml/2006/main">
+  <p:cSld>
+    <p:spTree>
+      <p:nvGrpSpPr>
+        <p:cNvPr id="1" name=""/>
+        <p:cNvGrpSpPr/>
+        <p:nvPr/>
+      </p:nvGrpSpPr>
+      <p:grpSpPr>
+        <a:xfrm>
+          <a:off x="0" y="0"/>
+          <a:ext cx="0" cy="0"/>
+          <a:chOff x="0" y="0"/>
+          <a:chExt cx="0" cy="0"/>
+        </a:xfrm>
+      </p:grpSpPr>
+      <p:sp>
+        <p:nvSpPr>
+          <p:cNvPr id="2" name="Title 1"/>
+          <p:cNvSpPr>
+            <a:spLocks noGrp="1"/>
+          </p:cNvSpPr>
+          <p:nvPr>
+            <p:ph type="title"/>
+          </p:nvPr>
+        </p:nvSpPr>
+        <p:spPr/>
+        <p:txBody>
+          <a:bodyPr/>
+          <a:lstStyle/>
+          <a:p>
+            <a:r>
+              <a:rPr lang="en-US" dirty="0" smtClean="0"/>
+              <a:t>Worst Case Scenario</a:t>
+            </a:r>
+            <a:endParaRPr lang="en-US" dirty="0"/>
+          </a:p>
+        </p:txBody>
+      </p:sp>
+      <p:sp>
+        <p:nvSpPr>
+          <p:cNvPr id="4" name="Date Placeholder 3"/>
+          <p:cNvSpPr>
+            <a:spLocks noGrp="1"/>
+          </p:cNvSpPr>
+          <p:nvPr>
+            <p:ph type="dt" sz="half" idx="10"/>
+          </p:nvPr>
+        </p:nvSpPr>
+        <p:spPr/>
+        <p:txBody>
+          <a:bodyPr/>
+          <a:lstStyle/>
+          <a:p>
+            <a:pPr>
+              <a:defRPr/>
+            </a:pPr>
+            <a:fld id="{6F79399D-A148-40D2-814E-E28BC31D44AD}" type="datetime5">
+              <a:rPr lang="en-US" smtClean="0"/>
+              <a:pPr>
+                <a:defRPr/>
+              </a:pPr>
+              <a:t>27-Sep-15</a:t>
+            </a:fld>
+            <a:endParaRPr lang="en-US"/>
+          </a:p>
+        </p:txBody>
+      </p:sp>
+      <p:sp>
+        <p:nvSpPr>
+          <p:cNvPr id="6" name="Slide Number Placeholder 5"/>
+          <p:cNvSpPr>
+            <a:spLocks noGrp="1"/>
+          </p:cNvSpPr>
+          <p:nvPr>
+            <p:ph type="sldNum" sz="quarter" idx="12"/>
+          </p:nvPr>
+        </p:nvSpPr>
+        <p:spPr/>
+        <p:txBody>
+          <a:bodyPr/>
+          <a:lstStyle/>
+          <a:p>
+            <a:pPr>
+              <a:defRPr/>
+            </a:pPr>
+            <a:r>
+              <a:rPr lang="en-US" dirty="0" smtClean="0"/>
+              <a:t>2IMN10-HW2 </a:t>
+            </a:r>
+            <a:fld id="{D2495B23-F071-4F35-8704-05653A066BA5}" type="slidenum">
+              <a:rPr lang="en-US" smtClean="0"/>
+              <a:pPr>
+                <a:defRPr/>
+              </a:pPr>
+              <a:t>12</a:t>
+            </a:fld>
+            <a:endParaRPr lang="en-US" dirty="0"/>
+          </a:p>
+        </p:txBody>
+      </p:sp>
+      <p:pic>
+        <p:nvPicPr>
+          <p:cNvPr id="2050" name="Picture 2"/>
+          <p:cNvPicPr>
+            <a:picLocks noChangeAspect="1" noChangeArrowheads="1"/>
+          </p:cNvPicPr>
+          <p:nvPr/>
+        </p:nvPicPr>
+        <p:blipFill>
+          <a:blip r:embed="rId2" cstate="print"/>
+          <a:srcRect/>
+          <a:stretch>
+            <a:fillRect/>
+          </a:stretch>
+        </p:blipFill>
+        <p:spPr bwMode="auto">
+          <a:xfrm>
+            <a:off x="476545" y="1583795"/>
+            <a:ext cx="5490610" cy="1578340"/>
+          </a:xfrm>
+          <a:prstGeom prst="rect">
+            <a:avLst/>
+          </a:prstGeom>
+          <a:noFill/>
+          <a:ln w="9525">
+            <a:noFill/>
+            <a:miter lim="800000"/>
+            <a:headEnd/>
+            <a:tailEnd/>
+          </a:ln>
+        </p:spPr>
+      </p:pic>
+      <p:sp>
+        <p:nvSpPr>
+          <p:cNvPr id="7" name="Content Placeholder 2"/>
+          <p:cNvSpPr>
+            <a:spLocks noGrp="1"/>
+          </p:cNvSpPr>
+          <p:nvPr>
+            <p:ph idx="1"/>
+          </p:nvPr>
+        </p:nvSpPr>
+        <p:spPr>
+          <a:xfrm>
+            <a:off x="431540" y="3293985"/>
+            <a:ext cx="8370930" cy="2880320"/>
+          </a:xfrm>
+        </p:spPr>
+        <p:txBody>
+          <a:bodyPr/>
+          <a:lstStyle/>
+          <a:p>
+            <a:r>
+              <a:rPr lang="en-US" sz="1200" dirty="0" smtClean="0"/>
+              <a:t>We have created a scenario, where it is hard for the system to decide what has to happen next. This scenario is shown </a:t>
+            </a:r>
+          </a:p>
+          <a:p>
+            <a:r>
+              <a:rPr lang="en-US" sz="1200" dirty="0" smtClean="0"/>
+              <a:t>with blocks, which represent which action happens after the other action. </a:t>
+            </a:r>
+          </a:p>
+          <a:p>
+            <a:endParaRPr lang="en-US" sz="1200" dirty="0" smtClean="0"/>
+          </a:p>
+          <a:p>
+            <a:r>
+              <a:rPr lang="en-US" sz="1200" dirty="0" smtClean="0"/>
+              <a:t>First an employee/student arrives at the TU/e. His license plate cannot be scanned and he forgot his TU/e employee / </a:t>
+            </a:r>
+          </a:p>
+          <a:p>
+            <a:r>
+              <a:rPr lang="en-US" sz="1200" dirty="0" smtClean="0"/>
+              <a:t>student card. The only option left is to take a ticket from the machine so he does that.  Now after a long day the person </a:t>
+            </a:r>
+          </a:p>
+          <a:p>
+            <a:r>
+              <a:rPr lang="en-US" sz="1200" dirty="0" smtClean="0"/>
+              <a:t>wants to leave the TU/e again. He forgot that he had taken a ticket, because his license plate was registered. He drives </a:t>
+            </a:r>
+          </a:p>
+          <a:p>
+            <a:r>
+              <a:rPr lang="en-US" sz="1200" dirty="0" smtClean="0"/>
+              <a:t>up to the gates and this time the license plate scanner works. Only there is a problem. It never registered the car arriving </a:t>
+            </a:r>
+          </a:p>
+          <a:p>
+            <a:r>
+              <a:rPr lang="en-US" sz="1200" dirty="0" smtClean="0"/>
+              <a:t>at the TU/e, so it does not know whether it should open the gate or not and what price should be accounted. For all the </a:t>
+            </a:r>
+          </a:p>
+          <a:p>
+            <a:r>
+              <a:rPr lang="en-US" sz="1200" dirty="0" smtClean="0"/>
+              <a:t>machine knows the vehicle was already 5 days on the TU/e. </a:t>
+            </a:r>
+          </a:p>
+          <a:p>
+            <a:endParaRPr lang="en-US" sz="1200" dirty="0" smtClean="0"/>
+          </a:p>
+          <a:p>
+            <a:r>
+              <a:rPr lang="en-US" sz="1200" dirty="0" smtClean="0"/>
+              <a:t>This example shows us that there are scenario’s which gives problems when the old and the new parking system </a:t>
+            </a:r>
+          </a:p>
+          <a:p>
+            <a:r>
+              <a:rPr lang="en-US" sz="1200" dirty="0" smtClean="0"/>
+              <a:t>intervene. </a:t>
+            </a:r>
+          </a:p>
+        </p:txBody>
+      </p:sp>
+    </p:spTree>
+  </p:cSld>
+  <p:clrMapOvr>
+    <a:masterClrMapping/>
+  </p:clrMapOvr>
+  <p:timing>
+    <p:tnLst>
+      <p:par>
+        <p:cTn id="1" dur="indefinite" restart="never" nodeType="tmRoot"/>
+      </p:par>
+    </p:tnLst>
+  </p:timing>
+</p:sld>
+</file>
+
 <file path=ppt/slides/slide2.xml><?xml version="1.0" encoding="utf-8"?>
 <p:sld xmlns:a="http://schemas.openxmlformats.org/drawingml/2006/main" xmlns:r="http://schemas.openxmlformats.org/officeDocument/2006/relationships" xmlns:p="http://schemas.openxmlformats.org/presentationml/2006/main">
   <p:cSld>
@@ -6283,8 +6934,46 @@
           <a:lstStyle/>
           <a:p>
             <a:r>
-              <a:rPr lang="en-US" sz="2000" dirty="0" smtClean="0"/>
-              <a:t>TODO</a:t>
+              <a:rPr lang="en-US" sz="2000" b="1" dirty="0" smtClean="0"/>
+              <a:t>Client-Server</a:t>
+            </a:r>
+          </a:p>
+          <a:p>
+            <a:r>
+              <a:rPr lang="en-US" sz="1200" dirty="0" smtClean="0"/>
+              <a:t>We have adopted the client-server architectural style, due to the independent nature of the system.</a:t>
+            </a:r>
+          </a:p>
+          <a:p>
+            <a:r>
+              <a:rPr lang="en-US" sz="1200" dirty="0" smtClean="0"/>
+              <a:t>On one hand, the system consists out of a database, which allows users to register using their campus card. In this part, the user can register cars, check and increase balance, and enter the campus with either automatic license plate recognition, or campus card scanning. Upon leaving, the cost of parking is automatically deducted from the user’s balance. Of course all users can only access and alter their own data.</a:t>
+            </a:r>
+          </a:p>
+          <a:p>
+            <a:r>
+              <a:rPr lang="en-US" sz="1200" dirty="0" smtClean="0"/>
+              <a:t>This situation can be easily modeled via a client-server architecture, where we keep a database of users, balances, etc. which the users can access and alter via requests via either the web client, or the payment machines at the campus.</a:t>
+            </a:r>
+          </a:p>
+          <a:p>
+            <a:r>
+              <a:rPr lang="en-US" sz="1200" dirty="0" smtClean="0"/>
+              <a:t>One the other hand, part of the system does not interact with the server at all. Users are also allowed to enter the campus with a ticket containing a timestamp. Upon leaving the campus, a ticket has to be fed into the machine at the barrier, which verifies that the timestamp was within 30 minutes ago. Users can get a new ticket via the payment machine by paying an amount dependent on the last ticket.</a:t>
+            </a:r>
+          </a:p>
+          <a:p>
+            <a:r>
+              <a:rPr lang="en-US" sz="1200" dirty="0" smtClean="0"/>
+              <a:t>This shows the independent nature of the system. The </a:t>
+            </a:r>
+            <a:r>
+              <a:rPr lang="en-US" sz="1200" dirty="0" smtClean="0"/>
+              <a:t>server is not needed at all times, and is request based instead. Thus reinforcing the need for a </a:t>
+            </a:r>
+            <a:r>
+              <a:rPr lang="en-US" sz="1200" smtClean="0"/>
+              <a:t>client-server style.</a:t>
             </a:r>
             <a:endParaRPr lang="en-US" sz="1200" dirty="0" smtClean="0"/>
           </a:p>
@@ -6313,7 +7002,7 @@
               <a:pPr>
                 <a:defRPr/>
               </a:pPr>
-              <a:t>21-Sep-15</a:t>
+              <a:t>27-Sep-15</a:t>
             </a:fld>
             <a:endParaRPr lang="en-US"/>
           </a:p>
@@ -6494,13 +7183,8 @@
           <a:p>
             <a:r>
               <a:rPr lang="en-US" sz="1200" dirty="0" smtClean="0"/>
-              <a:t>a</a:t>
-            </a:r>
-            <a:r>
-              <a:rPr lang="en-US" sz="1200" dirty="0" smtClean="0"/>
-              <a:t>synchronous weird things can happen, since the client can continue while it is in an error state. </a:t>
-            </a:r>
-            <a:endParaRPr lang="en-US" sz="1200" dirty="0" smtClean="0"/>
+              <a:t>asynchronous weird things can happen, since the client can continue while it is in an error state. </a:t>
+            </a:r>
           </a:p>
         </p:txBody>
       </p:sp>
@@ -6527,7 +7211,7 @@
               <a:pPr>
                 <a:defRPr/>
               </a:pPr>
-              <a:t>21-Sep-15</a:t>
+              <a:t>27-Sep-15</a:t>
             </a:fld>
             <a:endParaRPr lang="en-US"/>
           </a:p>
@@ -6608,9 +7292,135 @@
           <a:p>
             <a:r>
               <a:rPr lang="en-US" dirty="0" smtClean="0"/>
-              <a:t>Use Case Diagram</a:t>
+              <a:t>Extra Functional Requirements</a:t>
             </a:r>
             <a:endParaRPr lang="en-US" dirty="0"/>
+          </a:p>
+        </p:txBody>
+      </p:sp>
+      <p:sp>
+        <p:nvSpPr>
+          <p:cNvPr id="3" name="Content Placeholder 2"/>
+          <p:cNvSpPr>
+            <a:spLocks noGrp="1"/>
+          </p:cNvSpPr>
+          <p:nvPr>
+            <p:ph idx="1"/>
+          </p:nvPr>
+        </p:nvSpPr>
+        <p:spPr>
+          <a:xfrm>
+            <a:off x="701570" y="1088740"/>
+            <a:ext cx="8077200" cy="5130570"/>
+          </a:xfrm>
+        </p:spPr>
+        <p:txBody>
+          <a:bodyPr/>
+          <a:lstStyle/>
+          <a:p>
+            <a:r>
+              <a:rPr lang="en-US" sz="2000" dirty="0" smtClean="0"/>
+              <a:t>Security:</a:t>
+            </a:r>
+          </a:p>
+          <a:p>
+            <a:r>
+              <a:rPr lang="en-US" sz="1200" dirty="0" smtClean="0"/>
+              <a:t>There are accounts at stake and these accounts contain personal data, which the employees do not  want to be </a:t>
+            </a:r>
+          </a:p>
+          <a:p>
+            <a:r>
+              <a:rPr lang="en-US" sz="1200" dirty="0" smtClean="0"/>
+              <a:t>available for everyone (think of license plates). This is why this system needs to have a certain level of security to </a:t>
+            </a:r>
+          </a:p>
+          <a:p>
+            <a:r>
+              <a:rPr lang="en-US" sz="1200" dirty="0" smtClean="0"/>
+              <a:t>make sure that this information stays classified.</a:t>
+            </a:r>
+          </a:p>
+          <a:p>
+            <a:endParaRPr lang="en-US" sz="1400" dirty="0" smtClean="0"/>
+          </a:p>
+          <a:p>
+            <a:r>
+              <a:rPr lang="en-US" sz="2000" dirty="0" smtClean="0"/>
+              <a:t>Availability:</a:t>
+            </a:r>
+          </a:p>
+          <a:p>
+            <a:r>
+              <a:rPr lang="en-US" sz="1200" dirty="0" smtClean="0"/>
+              <a:t>It is important that at every moment of the day the system works (especially the gate system). If that that part does </a:t>
+            </a:r>
+          </a:p>
+          <a:p>
+            <a:r>
+              <a:rPr lang="en-US" sz="1200" dirty="0" smtClean="0"/>
+              <a:t>not work, people are not able to go to their work. Next to that if the online account system fails, then people are not </a:t>
+            </a:r>
+          </a:p>
+          <a:p>
+            <a:r>
+              <a:rPr lang="en-US" sz="1200" dirty="0" smtClean="0"/>
+              <a:t>able to change their balance and therefore might not be able to leave campus.</a:t>
+            </a:r>
+          </a:p>
+          <a:p>
+            <a:endParaRPr lang="en-US" sz="1400" dirty="0" smtClean="0"/>
+          </a:p>
+          <a:p>
+            <a:r>
+              <a:rPr lang="en-US" sz="2000" dirty="0" smtClean="0"/>
+              <a:t>Maintainability:</a:t>
+            </a:r>
+          </a:p>
+          <a:p>
+            <a:r>
+              <a:rPr lang="en-US" sz="1200" dirty="0" smtClean="0"/>
+              <a:t>You want a system that is easy to maintain. There are several systems build on each other (the old ticket system and </a:t>
+            </a:r>
+          </a:p>
+          <a:p>
+            <a:r>
+              <a:rPr lang="en-US" sz="1200" dirty="0" smtClean="0"/>
+              <a:t>the new license plate system).You should be able to maintain these parts separately. </a:t>
+            </a:r>
+          </a:p>
+          <a:p>
+            <a:endParaRPr lang="en-US" sz="1200" dirty="0" smtClean="0"/>
+          </a:p>
+          <a:p>
+            <a:r>
+              <a:rPr lang="en-US" sz="2000" dirty="0" smtClean="0"/>
+              <a:t>Usability:</a:t>
+            </a:r>
+          </a:p>
+          <a:p>
+            <a:r>
+              <a:rPr lang="en-US" sz="1200" dirty="0" smtClean="0"/>
+              <a:t>Since there are a lot of users who use the system and the system need to work fast (for the gate part), since </a:t>
+            </a:r>
+          </a:p>
+          <a:p>
+            <a:r>
+              <a:rPr lang="en-US" sz="1200" dirty="0" smtClean="0"/>
+              <a:t>the gates to the university will be blocked, the system need to be easy to use. The part regarding the gates should</a:t>
+            </a:r>
+          </a:p>
+          <a:p>
+            <a:r>
+              <a:rPr lang="en-US" sz="1200" dirty="0" smtClean="0"/>
+              <a:t>only require a few actions. The online system may be somewhat more complex, but should still be easy to use and</a:t>
+            </a:r>
+          </a:p>
+          <a:p>
+            <a:r>
+              <a:rPr lang="en-US" sz="1200" dirty="0" smtClean="0"/>
+              <a:t>clear.</a:t>
+            </a:r>
           </a:p>
         </p:txBody>
       </p:sp>
@@ -6637,7 +7447,7 @@
               <a:pPr>
                 <a:defRPr/>
               </a:pPr>
-              <a:t>21-Sep-15</a:t>
+              <a:t>27-Sep-15</a:t>
             </a:fld>
             <a:endParaRPr lang="en-US"/>
           </a:p>
@@ -6671,6 +7481,116 @@
                 <a:defRPr/>
               </a:pPr>
               <a:t>4</a:t>
+            </a:fld>
+            <a:endParaRPr lang="en-US" dirty="0"/>
+          </a:p>
+        </p:txBody>
+      </p:sp>
+    </p:spTree>
+  </p:cSld>
+  <p:clrMapOvr>
+    <a:masterClrMapping/>
+  </p:clrMapOvr>
+</p:sld>
+</file>
+
+<file path=ppt/slides/slide5.xml><?xml version="1.0" encoding="utf-8"?>
+<p:sld xmlns:a="http://schemas.openxmlformats.org/drawingml/2006/main" xmlns:r="http://schemas.openxmlformats.org/officeDocument/2006/relationships" xmlns:p="http://schemas.openxmlformats.org/presentationml/2006/main">
+  <p:cSld>
+    <p:spTree>
+      <p:nvGrpSpPr>
+        <p:cNvPr id="1" name=""/>
+        <p:cNvGrpSpPr/>
+        <p:nvPr/>
+      </p:nvGrpSpPr>
+      <p:grpSpPr>
+        <a:xfrm>
+          <a:off x="0" y="0"/>
+          <a:ext cx="0" cy="0"/>
+          <a:chOff x="0" y="0"/>
+          <a:chExt cx="0" cy="0"/>
+        </a:xfrm>
+      </p:grpSpPr>
+      <p:sp>
+        <p:nvSpPr>
+          <p:cNvPr id="2" name="Title 1"/>
+          <p:cNvSpPr>
+            <a:spLocks noGrp="1"/>
+          </p:cNvSpPr>
+          <p:nvPr>
+            <p:ph type="title"/>
+          </p:nvPr>
+        </p:nvSpPr>
+        <p:spPr/>
+        <p:txBody>
+          <a:bodyPr/>
+          <a:lstStyle/>
+          <a:p>
+            <a:r>
+              <a:rPr lang="en-US" dirty="0" smtClean="0"/>
+              <a:t>Use Case Diagram</a:t>
+            </a:r>
+            <a:endParaRPr lang="en-US" dirty="0"/>
+          </a:p>
+        </p:txBody>
+      </p:sp>
+      <p:sp>
+        <p:nvSpPr>
+          <p:cNvPr id="4" name="Date Placeholder 3"/>
+          <p:cNvSpPr>
+            <a:spLocks noGrp="1"/>
+          </p:cNvSpPr>
+          <p:nvPr>
+            <p:ph type="dt" sz="half" idx="10"/>
+          </p:nvPr>
+        </p:nvSpPr>
+        <p:spPr/>
+        <p:txBody>
+          <a:bodyPr/>
+          <a:lstStyle/>
+          <a:p>
+            <a:pPr>
+              <a:defRPr/>
+            </a:pPr>
+            <a:fld id="{6F79399D-A148-40D2-814E-E28BC31D44AD}" type="datetime5">
+              <a:rPr lang="en-US" smtClean="0"/>
+              <a:pPr>
+                <a:defRPr/>
+              </a:pPr>
+              <a:t>27-Sep-15</a:t>
+            </a:fld>
+            <a:endParaRPr lang="en-US"/>
+          </a:p>
+        </p:txBody>
+      </p:sp>
+      <p:sp>
+        <p:nvSpPr>
+          <p:cNvPr id="6" name="Slide Number Placeholder 5"/>
+          <p:cNvSpPr>
+            <a:spLocks noGrp="1"/>
+          </p:cNvSpPr>
+          <p:nvPr>
+            <p:ph type="sldNum" sz="quarter" idx="12"/>
+          </p:nvPr>
+        </p:nvSpPr>
+        <p:spPr/>
+        <p:txBody>
+          <a:bodyPr/>
+          <a:lstStyle/>
+          <a:p>
+            <a:pPr>
+              <a:defRPr/>
+            </a:pPr>
+            <a:r>
+              <a:rPr lang="en-US" dirty="0" smtClean="0"/>
+              <a:t>2IMN10-HW2 </a:t>
+            </a:r>
+            <a:fld id="{D2495B23-F071-4F35-8704-05653A066BA5}" type="slidenum">
+              <a:rPr lang="en-US" smtClean="0"/>
+              <a:pPr>
+                <a:defRPr/>
+              </a:pPr>
+              <a:t>5</a:t>
             </a:fld>
             <a:endParaRPr lang="en-US" dirty="0"/>
           </a:p>
@@ -6731,14 +7651,14 @@
           <a:effectLst/>
           <a:extLst>
             <a:ext uri="{909E8E84-426E-40DD-AFC4-6F175D3DCCD1}">
-              <a14:hiddenFill xmlns="" xmlns:a14="http://schemas.microsoft.com/office/drawing/2010/main">
+              <a14:hiddenFill xmlns:a14="http://schemas.microsoft.com/office/drawing/2010/main">
                 <a:solidFill>
                   <a:schemeClr val="accent1"/>
                 </a:solidFill>
               </a14:hiddenFill>
             </a:ext>
             <a:ext uri="{91240B29-F687-4F45-9708-019B960494DF}">
-              <a14:hiddenLine xmlns="" xmlns:a14="http://schemas.microsoft.com/office/drawing/2010/main" w="9525">
+              <a14:hiddenLine xmlns:a14="http://schemas.microsoft.com/office/drawing/2010/main" w="9525">
                 <a:solidFill>
                   <a:schemeClr val="tx1"/>
                 </a:solidFill>
@@ -6748,7 +7668,7 @@
               </a14:hiddenLine>
             </a:ext>
             <a:ext uri="{AF507438-7753-43E0-B8FC-AC1667EBCBE1}">
-              <a14:hiddenEffects xmlns="" xmlns:a14="http://schemas.microsoft.com/office/drawing/2010/main">
+              <a14:hiddenEffects xmlns:a14="http://schemas.microsoft.com/office/drawing/2010/main">
                 <a:effectLst>
                   <a:outerShdw dist="35921" dir="2700000" algn="ctr" rotWithShape="0">
                     <a:schemeClr val="bg2"/>
@@ -7296,7 +8216,7 @@
 </p:sld>
 </file>
 
-<file path=ppt/slides/slide5.xml><?xml version="1.0" encoding="utf-8"?>
+<file path=ppt/slides/slide6.xml><?xml version="1.0" encoding="utf-8"?>
 <p:sld xmlns:a="http://schemas.openxmlformats.org/drawingml/2006/main" xmlns:r="http://schemas.openxmlformats.org/officeDocument/2006/relationships" xmlns:p="http://schemas.openxmlformats.org/presentationml/2006/main" showMasterSp="0">
   <p:cSld>
     <p:spTree>
@@ -7336,7 +8256,7 @@
               <a:pPr>
                 <a:defRPr/>
               </a:pPr>
-              <a:t>21-Sep-15</a:t>
+              <a:t>27-Sep-15</a:t>
             </a:fld>
             <a:endParaRPr lang="en-US" dirty="0"/>
           </a:p>
@@ -7369,7 +8289,7 @@
               <a:pPr>
                 <a:defRPr/>
               </a:pPr>
-              <a:t>5</a:t>
+              <a:t>6</a:t>
             </a:fld>
             <a:endParaRPr lang="en-US" dirty="0"/>
           </a:p>
@@ -7452,7 +8372,7 @@
     </p:spTree>
     <p:extLst>
       <p:ext uri="{BB962C8B-B14F-4D97-AF65-F5344CB8AC3E}">
-        <p14:creationId xmlns="" xmlns:p14="http://schemas.microsoft.com/office/powerpoint/2010/main" val="1536031490"/>
+        <p14:creationId xmlns:p14="http://schemas.microsoft.com/office/powerpoint/2010/main" val="1536031490"/>
       </p:ext>
     </p:extLst>
   </p:cSld>
@@ -7466,234 +8386,6 @@
       </p:par>
     </p:tnLst>
   </p:timing>
-</p:sld>
-</file>
-
-<file path=ppt/slides/slide6.xml><?xml version="1.0" encoding="utf-8"?>
-<p:sld xmlns:a="http://schemas.openxmlformats.org/drawingml/2006/main" xmlns:r="http://schemas.openxmlformats.org/officeDocument/2006/relationships" xmlns:p="http://schemas.openxmlformats.org/presentationml/2006/main">
-  <p:cSld>
-    <p:spTree>
-      <p:nvGrpSpPr>
-        <p:cNvPr id="1" name=""/>
-        <p:cNvGrpSpPr/>
-        <p:nvPr/>
-      </p:nvGrpSpPr>
-      <p:grpSpPr>
-        <a:xfrm>
-          <a:off x="0" y="0"/>
-          <a:ext cx="0" cy="0"/>
-          <a:chOff x="0" y="0"/>
-          <a:chExt cx="0" cy="0"/>
-        </a:xfrm>
-      </p:grpSpPr>
-      <p:sp>
-        <p:nvSpPr>
-          <p:cNvPr id="2" name="Title 1"/>
-          <p:cNvSpPr>
-            <a:spLocks noGrp="1"/>
-          </p:cNvSpPr>
-          <p:nvPr>
-            <p:ph type="title"/>
-          </p:nvPr>
-        </p:nvSpPr>
-        <p:spPr/>
-        <p:txBody>
-          <a:bodyPr/>
-          <a:lstStyle/>
-          <a:p>
-            <a:r>
-              <a:rPr lang="en-US" dirty="0" smtClean="0"/>
-              <a:t>Stakeholders &amp; Viewpoints</a:t>
-            </a:r>
-            <a:endParaRPr lang="en-US" dirty="0"/>
-          </a:p>
-        </p:txBody>
-      </p:sp>
-      <p:sp>
-        <p:nvSpPr>
-          <p:cNvPr id="3" name="Content Placeholder 2"/>
-          <p:cNvSpPr>
-            <a:spLocks noGrp="1"/>
-          </p:cNvSpPr>
-          <p:nvPr>
-            <p:ph idx="1"/>
-          </p:nvPr>
-        </p:nvSpPr>
-        <p:spPr/>
-        <p:txBody>
-          <a:bodyPr/>
-          <a:lstStyle/>
-          <a:p>
-            <a:r>
-              <a:rPr lang="en-US" sz="1800" b="1" dirty="0" smtClean="0"/>
-              <a:t>Use Case Diagram:</a:t>
-            </a:r>
-          </a:p>
-          <a:p>
-            <a:r>
-              <a:rPr lang="en-US" sz="1400" b="1" dirty="0" smtClean="0"/>
-              <a:t>Information: </a:t>
-            </a:r>
-            <a:r>
-              <a:rPr lang="en-US" sz="1200" dirty="0" smtClean="0"/>
-              <a:t>This is a very simple diagram which describes the most common scenario’s which need to be executed on the parking system. This involves parking at the TU/e, checking accounts and changing balances. When a certain actor is involved in a use case, an arrow is drawn to that use case. </a:t>
-            </a:r>
-            <a:endParaRPr lang="en-US" sz="1600" b="1" dirty="0" smtClean="0"/>
-          </a:p>
-          <a:p>
-            <a:r>
-              <a:rPr lang="en-US" sz="1400" b="1" dirty="0" smtClean="0"/>
-              <a:t>Stakeholders: </a:t>
-            </a:r>
-            <a:r>
-              <a:rPr lang="en-US" sz="1200" dirty="0" smtClean="0"/>
-              <a:t>As described before the stakeholders in this diagram are employees, students, external persons and the parking service. </a:t>
-            </a:r>
-          </a:p>
-          <a:p>
-            <a:r>
-              <a:rPr lang="en-US" sz="1400" b="1" dirty="0" smtClean="0"/>
-              <a:t>Viewpoints: </a:t>
-            </a:r>
-            <a:r>
-              <a:rPr lang="en-US" sz="1200" dirty="0" smtClean="0"/>
-              <a:t>This diagram has two viewpoints. The scenario and logical viewpoints where the users can see what they can do using this system. </a:t>
-            </a:r>
-          </a:p>
-          <a:p>
-            <a:endParaRPr lang="en-US" sz="1200" dirty="0" smtClean="0"/>
-          </a:p>
-          <a:p>
-            <a:r>
-              <a:rPr lang="en-US" sz="1800" b="1" dirty="0" smtClean="0"/>
-              <a:t>Message Sequence Chart:</a:t>
-            </a:r>
-          </a:p>
-          <a:p>
-            <a:r>
-              <a:rPr lang="en-US" sz="1400" b="1" dirty="0" smtClean="0"/>
-              <a:t>Information: </a:t>
-            </a:r>
-            <a:r>
-              <a:rPr lang="en-US" sz="1200" dirty="0" smtClean="0"/>
-              <a:t>This chart shows the interaction of the users to the parking system for the most important (in our opinion) scenarios. The actors in the scenario’s could be employees/students/external persons. The most important parts with which the user needs to interact are modeled in the charts. The chart shows how the </a:t>
-            </a:r>
-            <a:r>
-              <a:rPr lang="en-US" sz="1200" dirty="0" smtClean="0"/>
-              <a:t> </a:t>
-            </a:r>
-            <a:r>
-              <a:rPr lang="en-US" sz="1200" dirty="0" smtClean="0"/>
-              <a:t>interaction between the parts happens and in what order. The arrows between parts are labeled such that it is clear what they do. </a:t>
-            </a:r>
-            <a:endParaRPr lang="en-US" sz="1200" b="1" dirty="0" smtClean="0"/>
-          </a:p>
-          <a:p>
-            <a:r>
-              <a:rPr lang="en-US" sz="1400" b="1" dirty="0" smtClean="0"/>
-              <a:t>Stakeholders: </a:t>
-            </a:r>
-            <a:r>
-              <a:rPr lang="en-US" sz="1200" dirty="0" smtClean="0"/>
-              <a:t>The stakeholders of the former use case diagram are now also involved. On top of that other people who benefit from this chart are programmers and testers. They know how components have to interact and what has to happen.</a:t>
-            </a:r>
-            <a:endParaRPr lang="en-US" sz="1200" dirty="0" smtClean="0"/>
-          </a:p>
-          <a:p>
-            <a:r>
-              <a:rPr lang="en-US" sz="1400" b="1" dirty="0" smtClean="0"/>
-              <a:t>Viewpoints</a:t>
-            </a:r>
-            <a:r>
-              <a:rPr lang="en-US" sz="1400" b="1" dirty="0" smtClean="0"/>
-              <a:t>: </a:t>
-            </a:r>
-            <a:r>
-              <a:rPr lang="en-US" sz="1200" dirty="0" smtClean="0"/>
-              <a:t>This </a:t>
-            </a:r>
-            <a:r>
-              <a:rPr lang="en-US" sz="1200" dirty="0" smtClean="0"/>
-              <a:t>diagram </a:t>
-            </a:r>
-            <a:r>
-              <a:rPr lang="en-US" sz="1200" dirty="0" smtClean="0"/>
-              <a:t>also has two viewpoints, namely the process view and the scenario view. Programmers and testers see how the various parts interact and how they should be tested. The implementation details can be determined by the programmers. </a:t>
-            </a:r>
-            <a:endParaRPr lang="en-US" sz="1200" dirty="0" smtClean="0"/>
-          </a:p>
-          <a:p>
-            <a:endParaRPr lang="en-US" sz="1800" b="1" dirty="0"/>
-          </a:p>
-        </p:txBody>
-      </p:sp>
-      <p:sp>
-        <p:nvSpPr>
-          <p:cNvPr id="4" name="Date Placeholder 3"/>
-          <p:cNvSpPr>
-            <a:spLocks noGrp="1"/>
-          </p:cNvSpPr>
-          <p:nvPr>
-            <p:ph type="dt" sz="half" idx="10"/>
-          </p:nvPr>
-        </p:nvSpPr>
-        <p:spPr/>
-        <p:txBody>
-          <a:bodyPr/>
-          <a:lstStyle/>
-          <a:p>
-            <a:pPr>
-              <a:defRPr/>
-            </a:pPr>
-            <a:fld id="{6F79399D-A148-40D2-814E-E28BC31D44AD}" type="datetime5">
-              <a:rPr lang="en-US" smtClean="0"/>
-              <a:pPr>
-                <a:defRPr/>
-              </a:pPr>
-              <a:t>21-Sep-15</a:t>
-            </a:fld>
-            <a:endParaRPr lang="en-US" dirty="0"/>
-          </a:p>
-        </p:txBody>
-      </p:sp>
-      <p:sp>
-        <p:nvSpPr>
-          <p:cNvPr id="6" name="Slide Number Placeholder 5"/>
-          <p:cNvSpPr>
-            <a:spLocks noGrp="1"/>
-          </p:cNvSpPr>
-          <p:nvPr>
-            <p:ph type="sldNum" sz="quarter" idx="12"/>
-          </p:nvPr>
-        </p:nvSpPr>
-        <p:spPr/>
-        <p:txBody>
-          <a:bodyPr/>
-          <a:lstStyle/>
-          <a:p>
-            <a:pPr>
-              <a:defRPr/>
-            </a:pPr>
-            <a:r>
-              <a:rPr lang="en-US" dirty="0" smtClean="0"/>
-              <a:t>2IMN10-HW2 </a:t>
-            </a:r>
-            <a:fld id="{D2495B23-F071-4F35-8704-05653A066BA5}" type="slidenum">
-              <a:rPr lang="en-US" smtClean="0"/>
-              <a:pPr>
-                <a:defRPr/>
-              </a:pPr>
-              <a:t>6</a:t>
-            </a:fld>
-            <a:endParaRPr lang="en-US" dirty="0"/>
-          </a:p>
-        </p:txBody>
-      </p:sp>
-    </p:spTree>
-  </p:cSld>
-  <p:clrMapOvr>
-    <a:masterClrMapping/>
-  </p:clrMapOvr>
 </p:sld>
 </file>
 
@@ -7731,7 +8423,7 @@
           <a:p>
             <a:r>
               <a:rPr lang="en-US" dirty="0" smtClean="0"/>
-              <a:t>Extra Functional Requirements</a:t>
+              <a:t>Stakeholders &amp; Viewpoints</a:t>
             </a:r>
             <a:endParaRPr lang="en-US" dirty="0"/>
           </a:p>
@@ -7747,128 +8439,89 @@
             <p:ph idx="1"/>
           </p:nvPr>
         </p:nvSpPr>
-        <p:spPr>
-          <a:xfrm>
-            <a:off x="701570" y="1088740"/>
-            <a:ext cx="8077200" cy="5130570"/>
-          </a:xfrm>
-        </p:spPr>
+        <p:spPr/>
         <p:txBody>
           <a:bodyPr/>
           <a:lstStyle/>
           <a:p>
             <a:r>
-              <a:rPr lang="en-US" sz="2000" dirty="0" smtClean="0"/>
-              <a:t>Security:</a:t>
-            </a:r>
-          </a:p>
-          <a:p>
+              <a:rPr lang="en-US" sz="1800" b="1" dirty="0" smtClean="0"/>
+              <a:t>Use Case Diagram:</a:t>
+            </a:r>
+          </a:p>
+          <a:p>
+            <a:r>
+              <a:rPr lang="en-US" sz="1400" b="1" dirty="0" smtClean="0"/>
+              <a:t>Information: </a:t>
+            </a:r>
             <a:r>
               <a:rPr lang="en-US" sz="1200" dirty="0" smtClean="0"/>
-              <a:t>T</a:t>
+              <a:t>This is a very simple diagram which describes the most common scenario’s which need to be executed on the parking system. This involves parking at the TU/e, checking accounts and changing balances. When a certain actor is involved in a use case, an arrow is drawn to that use case. </a:t>
+            </a:r>
+            <a:endParaRPr lang="en-US" sz="1600" b="1" dirty="0" smtClean="0"/>
+          </a:p>
+          <a:p>
+            <a:r>
+              <a:rPr lang="en-US" sz="1400" b="1" dirty="0" smtClean="0"/>
+              <a:t>Stakeholders: </a:t>
             </a:r>
             <a:r>
               <a:rPr lang="en-US" sz="1200" dirty="0" smtClean="0"/>
-              <a:t>here are accounts at stake and these accounts contain personal data, which the employees do not  want to be </a:t>
-            </a:r>
-          </a:p>
-          <a:p>
+              <a:t>As described before the stakeholders in this diagram are employees, students, external persons and the parking service. </a:t>
+            </a:r>
+          </a:p>
+          <a:p>
+            <a:r>
+              <a:rPr lang="en-US" sz="1400" b="1" dirty="0" smtClean="0"/>
+              <a:t>Viewpoints: </a:t>
+            </a:r>
             <a:r>
               <a:rPr lang="en-US" sz="1200" dirty="0" smtClean="0"/>
-              <a:t>available for everyone (think of license plates). This is why this system needs to have a certain level of security to </a:t>
-            </a:r>
-          </a:p>
-          <a:p>
+              <a:t>This diagram has two viewpoints. The scenario and logical viewpoints where the users can see what they can do using this system. </a:t>
+            </a:r>
+          </a:p>
+          <a:p>
+            <a:endParaRPr lang="en-US" sz="1200" dirty="0" smtClean="0"/>
+          </a:p>
+          <a:p>
+            <a:r>
+              <a:rPr lang="en-US" sz="1800" b="1" dirty="0" smtClean="0"/>
+              <a:t>Message Sequence Chart:</a:t>
+            </a:r>
+          </a:p>
+          <a:p>
+            <a:r>
+              <a:rPr lang="en-US" sz="1400" b="1" dirty="0" smtClean="0"/>
+              <a:t>Information: </a:t>
+            </a:r>
             <a:r>
               <a:rPr lang="en-US" sz="1200" dirty="0" smtClean="0"/>
-              <a:t>make sure that this information stays classified.</a:t>
-            </a:r>
-          </a:p>
-          <a:p>
-            <a:endParaRPr lang="en-US" sz="1400" dirty="0" smtClean="0"/>
-          </a:p>
-          <a:p>
-            <a:r>
-              <a:rPr lang="en-US" sz="2000" dirty="0" smtClean="0"/>
-              <a:t>Availability:</a:t>
-            </a:r>
-          </a:p>
-          <a:p>
+              <a:t>This chart shows the interaction of the users to the parking system for the most important (in our opinion) scenarios. The actors in the scenario’s could be employees/students/external persons. The most important parts with which the user needs to interact are modeled in the charts. The chart shows how the  interaction between the parts happens and in what order. The arrows between parts are labeled such that it is clear what they do. </a:t>
+            </a:r>
+            <a:endParaRPr lang="en-US" sz="1200" b="1" dirty="0" smtClean="0"/>
+          </a:p>
+          <a:p>
+            <a:r>
+              <a:rPr lang="en-US" sz="1400" b="1" dirty="0" smtClean="0"/>
+              <a:t>Stakeholders: </a:t>
+            </a:r>
             <a:r>
               <a:rPr lang="en-US" sz="1200" dirty="0" smtClean="0"/>
-              <a:t>It is important that at every moment of the day the system works (especially the gate system). If that that part does </a:t>
-            </a:r>
-          </a:p>
-          <a:p>
+              <a:t>The stakeholders of the former use case diagram are now also involved. On top of that other people who benefit from this chart are programmers and testers. They know how components have to interact and what has to happen.</a:t>
+            </a:r>
+          </a:p>
+          <a:p>
+            <a:r>
+              <a:rPr lang="en-US" sz="1400" b="1" dirty="0" smtClean="0"/>
+              <a:t>Viewpoints: </a:t>
+            </a:r>
             <a:r>
               <a:rPr lang="en-US" sz="1200" dirty="0" smtClean="0"/>
-              <a:t>not work, people are not able to go to their work. Next to that if the online account system fails, then people are not </a:t>
-            </a:r>
-          </a:p>
-          <a:p>
-            <a:r>
-              <a:rPr lang="en-US" sz="1200" dirty="0" smtClean="0"/>
-              <a:t>able to change their balance and therefore might not be able to leave campus.</a:t>
-            </a:r>
-          </a:p>
-          <a:p>
-            <a:endParaRPr lang="en-US" sz="1400" dirty="0" smtClean="0"/>
-          </a:p>
-          <a:p>
-            <a:r>
-              <a:rPr lang="en-US" sz="2000" dirty="0" smtClean="0"/>
-              <a:t>Maintainability:</a:t>
-            </a:r>
-          </a:p>
-          <a:p>
-            <a:r>
-              <a:rPr lang="en-US" sz="1200" dirty="0" smtClean="0"/>
-              <a:t>You want a system that is easy to maintain. There are several systems build on each other (the old ticket system and </a:t>
-            </a:r>
-          </a:p>
-          <a:p>
-            <a:r>
-              <a:rPr lang="en-US" sz="1200" dirty="0" smtClean="0"/>
-              <a:t>the new license plate system).You should be able to maintain these parts separately. </a:t>
-            </a:r>
-          </a:p>
-          <a:p>
-            <a:endParaRPr lang="en-US" sz="1200" dirty="0" smtClean="0"/>
-          </a:p>
-          <a:p>
-            <a:r>
-              <a:rPr lang="en-US" sz="2000" dirty="0" smtClean="0"/>
-              <a:t>Usability:</a:t>
-            </a:r>
-          </a:p>
-          <a:p>
-            <a:r>
-              <a:rPr lang="en-US" sz="1200" dirty="0" smtClean="0"/>
-              <a:t>Since there are a lot of users who use the system and the system need to work fast (for the gate part), since </a:t>
-            </a:r>
-          </a:p>
-          <a:p>
-            <a:r>
-              <a:rPr lang="en-US" sz="1200" dirty="0" smtClean="0"/>
-              <a:t>the gates to the university will be blocked, the system need to be easy to use. The part regarding the gates should</a:t>
-            </a:r>
-          </a:p>
-          <a:p>
-            <a:r>
-              <a:rPr lang="en-US" sz="1200" dirty="0" smtClean="0"/>
-              <a:t>o</a:t>
-            </a:r>
-            <a:r>
-              <a:rPr lang="en-US" sz="1200" dirty="0" smtClean="0"/>
-              <a:t>nly require a few actions. The online system may be somewhat more complex, but should still be easy to use and</a:t>
-            </a:r>
-          </a:p>
-          <a:p>
-            <a:r>
-              <a:rPr lang="en-US" sz="1200" dirty="0" smtClean="0"/>
-              <a:t>clear.</a:t>
-            </a:r>
-            <a:endParaRPr lang="en-US" sz="1200" dirty="0" smtClean="0"/>
+              <a:t>This diagram also has two viewpoints, namely the process view and the scenario view. Programmers and testers see how the various parts interact and how they should be tested. The implementation details can be determined by the programmers. </a:t>
+            </a:r>
+          </a:p>
+          <a:p>
+            <a:endParaRPr lang="en-US" sz="1800" b="1" dirty="0"/>
           </a:p>
         </p:txBody>
       </p:sp>
@@ -7895,9 +8548,9 @@
               <a:pPr>
                 <a:defRPr/>
               </a:pPr>
-              <a:t>21-Sep-15</a:t>
+              <a:t>27-Sep-15</a:t>
             </a:fld>
-            <a:endParaRPr lang="en-US"/>
+            <a:endParaRPr lang="en-US" dirty="0"/>
           </a:p>
         </p:txBody>
       </p:sp>
@@ -7975,10 +8628,10 @@
           <a:lstStyle/>
           <a:p>
             <a:r>
-              <a:rPr lang="en-US" dirty="0" smtClean="0"/>
-              <a:t>Worst Case Scenario</a:t>
-            </a:r>
-            <a:endParaRPr lang="en-US" dirty="0"/>
+              <a:rPr lang="nl-NL" dirty="0" smtClean="0"/>
+              <a:t>Class Diagram</a:t>
+            </a:r>
+            <a:endParaRPr lang="nl-NL" dirty="0"/>
           </a:p>
         </p:txBody>
       </p:sp>
@@ -8005,7 +8658,7 @@
               <a:pPr>
                 <a:defRPr/>
               </a:pPr>
-              <a:t>21-Sep-15</a:t>
+              <a:t>27-Sep-15</a:t>
             </a:fld>
             <a:endParaRPr lang="en-US"/>
           </a:p>
@@ -8013,6 +8666,36 @@
       </p:sp>
       <p:sp>
         <p:nvSpPr>
+          <p:cNvPr id="5" name="Footer Placeholder 4"/>
+          <p:cNvSpPr>
+            <a:spLocks noGrp="1"/>
+          </p:cNvSpPr>
+          <p:nvPr>
+            <p:ph type="ftr" sz="quarter" idx="11"/>
+          </p:nvPr>
+        </p:nvSpPr>
+        <p:spPr/>
+        <p:txBody>
+          <a:bodyPr/>
+          <a:lstStyle/>
+          <a:p>
+            <a:pPr>
+              <a:defRPr/>
+            </a:pPr>
+            <a:r>
+              <a:rPr lang="en-US" smtClean="0"/>
+              <a:t>Rudolf Mak </a:t>
+            </a:r>
+            <a:r>
+              <a:rPr lang="en-GB" smtClean="0"/>
+              <a:t>TU/e Computer Science</a:t>
+            </a:r>
+            <a:endParaRPr lang="en-US"/>
+          </a:p>
+        </p:txBody>
+      </p:sp>
+      <p:sp>
+        <p:nvSpPr>
           <p:cNvPr id="6" name="Slide Number Placeholder 5"/>
           <p:cNvSpPr>
             <a:spLocks noGrp="1"/>
@@ -8030,8 +8713,8 @@
               <a:defRPr/>
             </a:pPr>
             <a:r>
-              <a:rPr lang="en-US" dirty="0" smtClean="0"/>
-              <a:t>2IMN10-HW2 </a:t>
+              <a:rPr lang="en-US" smtClean="0"/>
+              <a:t>2IMN10-HW1 </a:t>
             </a:r>
             <a:fld id="{D2495B23-F071-4F35-8704-05653A066BA5}" type="slidenum">
               <a:rPr lang="en-US" smtClean="0"/>
@@ -8044,137 +8727,294 @@
           </a:p>
         </p:txBody>
       </p:sp>
-      <p:pic>
-        <p:nvPicPr>
-          <p:cNvPr id="2050" name="Picture 2"/>
-          <p:cNvPicPr>
-            <a:picLocks noChangeAspect="1" noChangeArrowheads="1"/>
-          </p:cNvPicPr>
+      <p:sp>
+        <p:nvSpPr>
+          <p:cNvPr id="11" name="TextBox 10"/>
+          <p:cNvSpPr txBox="1"/>
           <p:nvPr/>
-        </p:nvPicPr>
-        <p:blipFill>
-          <a:blip r:embed="rId2" cstate="print"/>
-          <a:srcRect/>
-          <a:stretch>
-            <a:fillRect/>
-          </a:stretch>
-        </p:blipFill>
-        <p:spPr bwMode="auto">
+        </p:nvSpPr>
+        <p:spPr>
           <a:xfrm>
-            <a:off x="476545" y="1583795"/>
-            <a:ext cx="5490610" cy="1578340"/>
+            <a:off x="521550" y="4239090"/>
+            <a:ext cx="8077201" cy="1846659"/>
           </a:xfrm>
           <a:prstGeom prst="rect">
             <a:avLst/>
           </a:prstGeom>
           <a:noFill/>
-          <a:ln w="9525">
-            <a:noFill/>
-            <a:miter lim="800000"/>
-            <a:headEnd/>
-            <a:tailEnd/>
-          </a:ln>
+        </p:spPr>
+        <p:txBody>
+          <a:bodyPr wrap="square" rtlCol="0">
+            <a:spAutoFit/>
+          </a:bodyPr>
+          <a:lstStyle/>
+          <a:p>
+            <a:pPr algn="l"/>
+            <a:r>
+              <a:rPr lang="nl-NL" sz="1400" b="1" dirty="0" smtClean="0"/>
+              <a:t>Information: </a:t>
+            </a:r>
+            <a:r>
+              <a:rPr lang="nl-NL" sz="1200" dirty="0" smtClean="0"/>
+              <a:t>This is the class diagram that may be used in the online part of the TU/e parking system. It shows the 	relations between different 	classes, along with variables needed.</a:t>
+            </a:r>
+          </a:p>
+          <a:p>
+            <a:pPr algn="l"/>
+            <a:r>
+              <a:rPr lang="nl-NL" sz="1200" dirty="0"/>
+              <a:t>	</a:t>
+            </a:r>
+            <a:r>
+              <a:rPr lang="nl-NL" sz="1200" dirty="0" smtClean="0"/>
+              <a:t>The model shows that a user can have up to two cars associated to their account. Additionally, each of 	those cars can have any number of visits.</a:t>
+            </a:r>
+          </a:p>
+          <a:p>
+            <a:pPr algn="l"/>
+            <a:r>
+              <a:rPr lang="nl-NL" sz="1400" b="1" dirty="0" smtClean="0"/>
+              <a:t>Stakeholders: </a:t>
+            </a:r>
+            <a:r>
+              <a:rPr lang="nl-NL" sz="1200" dirty="0" smtClean="0"/>
+              <a:t>This class structure will be of interest to the programmers who have to implement the system.</a:t>
+            </a:r>
+          </a:p>
+          <a:p>
+            <a:pPr algn="l"/>
+            <a:r>
+              <a:rPr lang="nl-NL" sz="1400" b="1" dirty="0" smtClean="0"/>
+              <a:t>Views: </a:t>
+            </a:r>
+            <a:r>
+              <a:rPr lang="nl-NL" sz="1200" dirty="0" smtClean="0"/>
+              <a:t>The model is part of the logical view, as it shows important aspects of the system and their relationships, 	while still leaving some room for interpretation, for example, the timeline is missing. </a:t>
+            </a:r>
+            <a:br>
+              <a:rPr lang="nl-NL" sz="1200" dirty="0" smtClean="0"/>
+            </a:br>
+            <a:r>
+              <a:rPr lang="nl-NL" sz="1200" dirty="0" smtClean="0"/>
+              <a:t>	Additionally, the model is part of the development view, as it shows how a certain aspect of the system 	is to be implemented.</a:t>
+            </a:r>
+            <a:endParaRPr lang="nl-NL" sz="1400" b="1" dirty="0"/>
+          </a:p>
+        </p:txBody>
+      </p:sp>
+      <p:pic>
+        <p:nvPicPr>
+          <p:cNvPr id="13" name="Content Placeholder 12"/>
+          <p:cNvPicPr>
+            <a:picLocks noGrp="1" noChangeAspect="1"/>
+          </p:cNvPicPr>
+          <p:nvPr>
+            <p:ph idx="1"/>
+          </p:nvPr>
+        </p:nvPicPr>
+        <p:blipFill>
+          <a:blip r:embed="rId2">
+            <a:extLst>
+              <a:ext uri="{28A0092B-C50C-407E-A947-70E740481C1C}">
+                <a14:useLocalDpi xmlns:a14="http://schemas.microsoft.com/office/drawing/2010/main" val="0"/>
+              </a:ext>
+            </a:extLst>
+          </a:blip>
+          <a:stretch>
+            <a:fillRect/>
+          </a:stretch>
+        </p:blipFill>
+        <p:spPr>
+          <a:xfrm>
+            <a:off x="533400" y="1290973"/>
+            <a:ext cx="8077200" cy="2721277"/>
+          </a:xfrm>
         </p:spPr>
       </p:pic>
-      <p:sp>
-        <p:nvSpPr>
-          <p:cNvPr id="7" name="Content Placeholder 2"/>
-          <p:cNvSpPr>
-            <a:spLocks noGrp="1"/>
-          </p:cNvSpPr>
-          <p:nvPr>
-            <p:ph idx="1"/>
-          </p:nvPr>
-        </p:nvSpPr>
-        <p:spPr>
-          <a:xfrm>
-            <a:off x="431540" y="3293985"/>
-            <a:ext cx="8370930" cy="2880320"/>
-          </a:xfrm>
-        </p:spPr>
-        <p:txBody>
-          <a:bodyPr/>
-          <a:lstStyle/>
-          <a:p>
-            <a:r>
-              <a:rPr lang="en-US" sz="1200" dirty="0" smtClean="0"/>
-              <a:t>We have created a scenario, where it is hard for the system to decide what has to happen next. This scenario is shown </a:t>
-            </a:r>
-          </a:p>
-          <a:p>
-            <a:r>
-              <a:rPr lang="en-US" sz="1200" dirty="0" smtClean="0"/>
-              <a:t>with blocks, which represent which action happens after the other action. </a:t>
-            </a:r>
-          </a:p>
-          <a:p>
-            <a:endParaRPr lang="en-US" sz="1200" dirty="0" smtClean="0"/>
-          </a:p>
-          <a:p>
-            <a:r>
-              <a:rPr lang="en-US" sz="1200" dirty="0" smtClean="0"/>
-              <a:t>First an employee/student arrives at the TU/e. His license plate cannot be scanned and he forgot his TU/e employee / </a:t>
-            </a:r>
-          </a:p>
-          <a:p>
-            <a:r>
-              <a:rPr lang="en-US" sz="1200" dirty="0" smtClean="0"/>
-              <a:t>student card. The only option left is to take a ticket from the machine so he does that.  Now after a long day the person </a:t>
-            </a:r>
-          </a:p>
-          <a:p>
-            <a:r>
-              <a:rPr lang="en-US" sz="1200" dirty="0" smtClean="0"/>
-              <a:t>wants to leave the TU/e again. He forgot that he had taken a ticket, because his license plate was registered. He drives </a:t>
-            </a:r>
-          </a:p>
-          <a:p>
-            <a:r>
-              <a:rPr lang="en-US" sz="1200" dirty="0" smtClean="0"/>
-              <a:t>up to the gates and this time the license plate scanner works. Only there is a problem. It never registered the car arriving </a:t>
-            </a:r>
-          </a:p>
-          <a:p>
-            <a:r>
-              <a:rPr lang="en-US" sz="1200" dirty="0" smtClean="0"/>
-              <a:t>at the TU/e, so it does not know whether it should open the gate or not and what price should be accounted. For all the </a:t>
-            </a:r>
-          </a:p>
-          <a:p>
-            <a:r>
-              <a:rPr lang="en-US" sz="1200" dirty="0" smtClean="0"/>
-              <a:t>machine knows the vehicle was already 5 days on the TU/e. </a:t>
-            </a:r>
-          </a:p>
-          <a:p>
-            <a:endParaRPr lang="en-US" sz="1200" dirty="0" smtClean="0"/>
-          </a:p>
-          <a:p>
-            <a:r>
-              <a:rPr lang="en-US" sz="1200" dirty="0" smtClean="0"/>
-              <a:t>This example shows us that there are scenario’s which gives problems when the old and the new parking system </a:t>
-            </a:r>
-          </a:p>
-          <a:p>
-            <a:r>
-              <a:rPr lang="en-US" sz="1200" dirty="0" smtClean="0"/>
-              <a:t>intervene. </a:t>
-            </a:r>
-          </a:p>
-        </p:txBody>
-      </p:sp>
     </p:spTree>
+    <p:extLst>
+      <p:ext uri="{BB962C8B-B14F-4D97-AF65-F5344CB8AC3E}">
+        <p14:creationId xmlns:p14="http://schemas.microsoft.com/office/powerpoint/2010/main" val="255644117"/>
+      </p:ext>
+    </p:extLst>
   </p:cSld>
   <p:clrMapOvr>
     <a:masterClrMapping/>
   </p:clrMapOvr>
-  <p:timing>
-    <p:tnLst>
-      <p:par>
-        <p:cTn id="1" dur="indefinite" restart="never" nodeType="tmRoot"/>
-      </p:par>
-    </p:tnLst>
-  </p:timing>
+</p:sld>
+</file>
+
+<file path=ppt/slides/slide9.xml><?xml version="1.0" encoding="utf-8"?>
+<p:sld xmlns:a="http://schemas.openxmlformats.org/drawingml/2006/main" xmlns:r="http://schemas.openxmlformats.org/officeDocument/2006/relationships" xmlns:p="http://schemas.openxmlformats.org/presentationml/2006/main">
+  <p:cSld>
+    <p:spTree>
+      <p:nvGrpSpPr>
+        <p:cNvPr id="1" name=""/>
+        <p:cNvGrpSpPr/>
+        <p:nvPr/>
+      </p:nvGrpSpPr>
+      <p:grpSpPr>
+        <a:xfrm>
+          <a:off x="0" y="0"/>
+          <a:ext cx="0" cy="0"/>
+          <a:chOff x="0" y="0"/>
+          <a:chExt cx="0" cy="0"/>
+        </a:xfrm>
+      </p:grpSpPr>
+      <p:sp>
+        <p:nvSpPr>
+          <p:cNvPr id="2" name="Title 1"/>
+          <p:cNvSpPr>
+            <a:spLocks noGrp="1"/>
+          </p:cNvSpPr>
+          <p:nvPr>
+            <p:ph type="title"/>
+          </p:nvPr>
+        </p:nvSpPr>
+        <p:spPr/>
+        <p:txBody>
+          <a:bodyPr/>
+          <a:lstStyle/>
+          <a:p>
+            <a:r>
+              <a:rPr lang="nl-NL" dirty="0" smtClean="0"/>
+              <a:t>System overview (entry)</a:t>
+            </a:r>
+            <a:endParaRPr lang="nl-NL" dirty="0"/>
+          </a:p>
+        </p:txBody>
+      </p:sp>
+      <p:pic>
+        <p:nvPicPr>
+          <p:cNvPr id="7" name="Content Placeholder 6"/>
+          <p:cNvPicPr>
+            <a:picLocks noGrp="1" noChangeAspect="1"/>
+          </p:cNvPicPr>
+          <p:nvPr>
+            <p:ph idx="1"/>
+          </p:nvPr>
+        </p:nvPicPr>
+        <p:blipFill>
+          <a:blip r:embed="rId2">
+            <a:extLst>
+              <a:ext uri="{28A0092B-C50C-407E-A947-70E740481C1C}">
+                <a14:useLocalDpi xmlns:a14="http://schemas.microsoft.com/office/drawing/2010/main" val="0"/>
+              </a:ext>
+            </a:extLst>
+          </a:blip>
+          <a:stretch>
+            <a:fillRect/>
+          </a:stretch>
+        </p:blipFill>
+        <p:spPr>
+          <a:xfrm>
+            <a:off x="533400" y="1342283"/>
+            <a:ext cx="8077200" cy="4554433"/>
+          </a:xfrm>
+        </p:spPr>
+      </p:pic>
+      <p:sp>
+        <p:nvSpPr>
+          <p:cNvPr id="4" name="Date Placeholder 3"/>
+          <p:cNvSpPr>
+            <a:spLocks noGrp="1"/>
+          </p:cNvSpPr>
+          <p:nvPr>
+            <p:ph type="dt" sz="half" idx="10"/>
+          </p:nvPr>
+        </p:nvSpPr>
+        <p:spPr/>
+        <p:txBody>
+          <a:bodyPr/>
+          <a:lstStyle/>
+          <a:p>
+            <a:pPr>
+              <a:defRPr/>
+            </a:pPr>
+            <a:fld id="{6F79399D-A148-40D2-814E-E28BC31D44AD}" type="datetime5">
+              <a:rPr lang="en-US" smtClean="0"/>
+              <a:pPr>
+                <a:defRPr/>
+              </a:pPr>
+              <a:t>27-Sep-15</a:t>
+            </a:fld>
+            <a:endParaRPr lang="en-US"/>
+          </a:p>
+        </p:txBody>
+      </p:sp>
+      <p:sp>
+        <p:nvSpPr>
+          <p:cNvPr id="5" name="Footer Placeholder 4"/>
+          <p:cNvSpPr>
+            <a:spLocks noGrp="1"/>
+          </p:cNvSpPr>
+          <p:nvPr>
+            <p:ph type="ftr" sz="quarter" idx="11"/>
+          </p:nvPr>
+        </p:nvSpPr>
+        <p:spPr/>
+        <p:txBody>
+          <a:bodyPr/>
+          <a:lstStyle/>
+          <a:p>
+            <a:pPr>
+              <a:defRPr/>
+            </a:pPr>
+            <a:r>
+              <a:rPr lang="en-US" smtClean="0"/>
+              <a:t>Rudolf Mak </a:t>
+            </a:r>
+            <a:r>
+              <a:rPr lang="en-GB" smtClean="0"/>
+              <a:t>TU/e Computer Science</a:t>
+            </a:r>
+            <a:endParaRPr lang="en-US"/>
+          </a:p>
+        </p:txBody>
+      </p:sp>
+      <p:sp>
+        <p:nvSpPr>
+          <p:cNvPr id="6" name="Slide Number Placeholder 5"/>
+          <p:cNvSpPr>
+            <a:spLocks noGrp="1"/>
+          </p:cNvSpPr>
+          <p:nvPr>
+            <p:ph type="sldNum" sz="quarter" idx="12"/>
+          </p:nvPr>
+        </p:nvSpPr>
+        <p:spPr/>
+        <p:txBody>
+          <a:bodyPr/>
+          <a:lstStyle/>
+          <a:p>
+            <a:pPr>
+              <a:defRPr/>
+            </a:pPr>
+            <a:r>
+              <a:rPr lang="en-US" smtClean="0"/>
+              <a:t>2IMN10-HW1 </a:t>
+            </a:r>
+            <a:fld id="{D2495B23-F071-4F35-8704-05653A066BA5}" type="slidenum">
+              <a:rPr lang="en-US" smtClean="0"/>
+              <a:pPr>
+                <a:defRPr/>
+              </a:pPr>
+              <a:t>9</a:t>
+            </a:fld>
+            <a:endParaRPr lang="en-US" dirty="0"/>
+          </a:p>
+        </p:txBody>
+      </p:sp>
+    </p:spTree>
+    <p:extLst>
+      <p:ext uri="{BB962C8B-B14F-4D97-AF65-F5344CB8AC3E}">
+        <p14:creationId xmlns:p14="http://schemas.microsoft.com/office/powerpoint/2010/main" val="636731932"/>
+      </p:ext>
+    </p:extLst>
+  </p:cSld>
+  <p:clrMapOvr>
+    <a:masterClrMapping/>
+  </p:clrMapOvr>
 </p:sld>
 </file>
 
@@ -8450,7 +9290,7 @@
         <a:effectLst/>
         <a:extLst>
           <a:ext uri="{AF507438-7753-43E0-B8FC-AC1667EBCBE1}">
-            <a14:hiddenEffects xmlns="" xmlns:a14="http://schemas.microsoft.com/office/drawing/2010/main">
+            <a14:hiddenEffects xmlns:a14="http://schemas.microsoft.com/office/drawing/2010/main">
               <a:effectLst>
                 <a:outerShdw dist="35921" dir="2700000" algn="ctr" rotWithShape="0">
                   <a:schemeClr val="bg2"/>
@@ -8524,7 +9364,7 @@
         <a:effectLst/>
         <a:extLst>
           <a:ext uri="{AF507438-7753-43E0-B8FC-AC1667EBCBE1}">
-            <a14:hiddenEffects xmlns="" xmlns:a14="http://schemas.microsoft.com/office/drawing/2010/main">
+            <a14:hiddenEffects xmlns:a14="http://schemas.microsoft.com/office/drawing/2010/main">
               <a:effectLst>
                 <a:outerShdw dist="35921" dir="2700000" algn="ctr" rotWithShape="0">
                   <a:schemeClr val="bg2"/>

--- a/Assignment2/HomeworkAssignment2_JasperSelman_RamonDeVaan.pptx
+++ b/Assignment2/HomeworkAssignment2_JasperSelman_RamonDeVaan.pptx
@@ -156,7 +156,7 @@
   </p:defaultTextStyle>
   <p:extLst>
     <p:ext uri="{521415D9-36F7-43E2-AB2F-B90AF26B5E84}">
-      <p14:sectionLst xmlns:p14="http://schemas.microsoft.com/office/powerpoint/2010/main">
+      <p14:sectionLst xmlns:p14="http://schemas.microsoft.com/office/powerpoint/2010/main" xmlns="">
         <p14:section name="Default Section" id="{B5A2DD30-6A26-456B-9319-F2DDB28389BA}">
           <p14:sldIdLst>
             <p14:sldId id="312"/>
@@ -179,7 +179,7 @@
       </p14:sectionLst>
     </p:ext>
     <p:ext uri="{EFAFB233-063F-42B5-8137-9DF3F51BA10A}">
-      <p15:sldGuideLst xmlns:p15="http://schemas.microsoft.com/office/powerpoint/2012/main">
+      <p15:sldGuideLst xmlns:p15="http://schemas.microsoft.com/office/powerpoint/2012/main" xmlns="">
         <p15:guide id="1" orient="horz" pos="2160">
           <p15:clr>
             <a:srgbClr val="A4A3A4"/>
@@ -193,7 +193,7 @@
       </p15:sldGuideLst>
     </p:ext>
     <p:ext uri="{2D200454-40CA-4A62-9FC3-DE9A4176ACB9}">
-      <p15:notesGuideLst xmlns:p15="http://schemas.microsoft.com/office/powerpoint/2012/main">
+      <p15:notesGuideLst xmlns:p15="http://schemas.microsoft.com/office/powerpoint/2012/main" xmlns="">
         <p15:guide id="1" orient="horz" pos="3129">
           <p15:clr>
             <a:srgbClr val="A4A3A4"/>
@@ -260,14 +260,14 @@
           <a:effectLst/>
           <a:extLst>
             <a:ext uri="{909E8E84-426E-40DD-AFC4-6F175D3DCCD1}">
-              <a14:hiddenFill xmlns:a14="http://schemas.microsoft.com/office/drawing/2010/main">
+              <a14:hiddenFill xmlns:a14="http://schemas.microsoft.com/office/drawing/2010/main" xmlns="">
                 <a:solidFill>
                   <a:schemeClr val="accent1"/>
                 </a:solidFill>
               </a14:hiddenFill>
             </a:ext>
             <a:ext uri="{91240B29-F687-4F45-9708-019B960494DF}">
-              <a14:hiddenLine xmlns:a14="http://schemas.microsoft.com/office/drawing/2010/main" w="9525">
+              <a14:hiddenLine xmlns:a14="http://schemas.microsoft.com/office/drawing/2010/main" xmlns="" w="9525">
                 <a:solidFill>
                   <a:schemeClr val="tx1"/>
                 </a:solidFill>
@@ -277,7 +277,7 @@
               </a14:hiddenLine>
             </a:ext>
             <a:ext uri="{AF507438-7753-43E0-B8FC-AC1667EBCBE1}">
-              <a14:hiddenEffects xmlns:a14="http://schemas.microsoft.com/office/drawing/2010/main">
+              <a14:hiddenEffects xmlns:a14="http://schemas.microsoft.com/office/drawing/2010/main" xmlns="">
                 <a:effectLst>
                   <a:outerShdw dist="35921" dir="2700000" algn="ctr" rotWithShape="0">
                     <a:schemeClr val="bg2"/>
@@ -333,14 +333,14 @@
           <a:effectLst/>
           <a:extLst>
             <a:ext uri="{909E8E84-426E-40DD-AFC4-6F175D3DCCD1}">
-              <a14:hiddenFill xmlns:a14="http://schemas.microsoft.com/office/drawing/2010/main">
+              <a14:hiddenFill xmlns:a14="http://schemas.microsoft.com/office/drawing/2010/main" xmlns="">
                 <a:solidFill>
                   <a:schemeClr val="accent1"/>
                 </a:solidFill>
               </a14:hiddenFill>
             </a:ext>
             <a:ext uri="{91240B29-F687-4F45-9708-019B960494DF}">
-              <a14:hiddenLine xmlns:a14="http://schemas.microsoft.com/office/drawing/2010/main" w="9525">
+              <a14:hiddenLine xmlns:a14="http://schemas.microsoft.com/office/drawing/2010/main" xmlns="" w="9525">
                 <a:solidFill>
                   <a:schemeClr val="tx1"/>
                 </a:solidFill>
@@ -350,7 +350,7 @@
               </a14:hiddenLine>
             </a:ext>
             <a:ext uri="{AF507438-7753-43E0-B8FC-AC1667EBCBE1}">
-              <a14:hiddenEffects xmlns:a14="http://schemas.microsoft.com/office/drawing/2010/main">
+              <a14:hiddenEffects xmlns:a14="http://schemas.microsoft.com/office/drawing/2010/main" xmlns="">
                 <a:effectLst>
                   <a:outerShdw dist="35921" dir="2700000" algn="ctr" rotWithShape="0">
                     <a:schemeClr val="bg2"/>
@@ -406,14 +406,14 @@
           <a:effectLst/>
           <a:extLst>
             <a:ext uri="{909E8E84-426E-40DD-AFC4-6F175D3DCCD1}">
-              <a14:hiddenFill xmlns:a14="http://schemas.microsoft.com/office/drawing/2010/main">
+              <a14:hiddenFill xmlns:a14="http://schemas.microsoft.com/office/drawing/2010/main" xmlns="">
                 <a:solidFill>
                   <a:schemeClr val="accent1"/>
                 </a:solidFill>
               </a14:hiddenFill>
             </a:ext>
             <a:ext uri="{91240B29-F687-4F45-9708-019B960494DF}">
-              <a14:hiddenLine xmlns:a14="http://schemas.microsoft.com/office/drawing/2010/main" w="9525">
+              <a14:hiddenLine xmlns:a14="http://schemas.microsoft.com/office/drawing/2010/main" xmlns="" w="9525">
                 <a:solidFill>
                   <a:schemeClr val="tx1"/>
                 </a:solidFill>
@@ -423,7 +423,7 @@
               </a14:hiddenLine>
             </a:ext>
             <a:ext uri="{AF507438-7753-43E0-B8FC-AC1667EBCBE1}">
-              <a14:hiddenEffects xmlns:a14="http://schemas.microsoft.com/office/drawing/2010/main">
+              <a14:hiddenEffects xmlns:a14="http://schemas.microsoft.com/office/drawing/2010/main" xmlns="">
                 <a:effectLst>
                   <a:outerShdw dist="35921" dir="2700000" algn="ctr" rotWithShape="0">
                     <a:schemeClr val="bg2"/>
@@ -479,14 +479,14 @@
           <a:effectLst/>
           <a:extLst>
             <a:ext uri="{909E8E84-426E-40DD-AFC4-6F175D3DCCD1}">
-              <a14:hiddenFill xmlns:a14="http://schemas.microsoft.com/office/drawing/2010/main">
+              <a14:hiddenFill xmlns:a14="http://schemas.microsoft.com/office/drawing/2010/main" xmlns="">
                 <a:solidFill>
                   <a:schemeClr val="accent1"/>
                 </a:solidFill>
               </a14:hiddenFill>
             </a:ext>
             <a:ext uri="{91240B29-F687-4F45-9708-019B960494DF}">
-              <a14:hiddenLine xmlns:a14="http://schemas.microsoft.com/office/drawing/2010/main" w="9525">
+              <a14:hiddenLine xmlns:a14="http://schemas.microsoft.com/office/drawing/2010/main" xmlns="" w="9525">
                 <a:solidFill>
                   <a:schemeClr val="tx1"/>
                 </a:solidFill>
@@ -496,7 +496,7 @@
               </a14:hiddenLine>
             </a:ext>
             <a:ext uri="{AF507438-7753-43E0-B8FC-AC1667EBCBE1}">
-              <a14:hiddenEffects xmlns:a14="http://schemas.microsoft.com/office/drawing/2010/main">
+              <a14:hiddenEffects xmlns:a14="http://schemas.microsoft.com/office/drawing/2010/main" xmlns="">
                 <a:effectLst>
                   <a:outerShdw dist="35921" dir="2700000" algn="ctr" rotWithShape="0">
                     <a:schemeClr val="bg2"/>
@@ -537,7 +537,7 @@
     </p:spTree>
     <p:extLst>
       <p:ext uri="{BB962C8B-B14F-4D97-AF65-F5344CB8AC3E}">
-        <p14:creationId xmlns:p14="http://schemas.microsoft.com/office/powerpoint/2010/main" val="3247838800"/>
+        <p14:creationId xmlns:p14="http://schemas.microsoft.com/office/powerpoint/2010/main" xmlns="" val="3247838800"/>
       </p:ext>
     </p:extLst>
   </p:cSld>
@@ -595,14 +595,14 @@
           <a:effectLst/>
           <a:extLst>
             <a:ext uri="{909E8E84-426E-40DD-AFC4-6F175D3DCCD1}">
-              <a14:hiddenFill xmlns:a14="http://schemas.microsoft.com/office/drawing/2010/main">
+              <a14:hiddenFill xmlns:a14="http://schemas.microsoft.com/office/drawing/2010/main" xmlns="">
                 <a:solidFill>
                   <a:schemeClr val="accent1"/>
                 </a:solidFill>
               </a14:hiddenFill>
             </a:ext>
             <a:ext uri="{91240B29-F687-4F45-9708-019B960494DF}">
-              <a14:hiddenLine xmlns:a14="http://schemas.microsoft.com/office/drawing/2010/main" w="9525">
+              <a14:hiddenLine xmlns:a14="http://schemas.microsoft.com/office/drawing/2010/main" xmlns="" w="9525">
                 <a:solidFill>
                   <a:schemeClr val="tx1"/>
                 </a:solidFill>
@@ -612,7 +612,7 @@
               </a14:hiddenLine>
             </a:ext>
             <a:ext uri="{AF507438-7753-43E0-B8FC-AC1667EBCBE1}">
-              <a14:hiddenEffects xmlns:a14="http://schemas.microsoft.com/office/drawing/2010/main">
+              <a14:hiddenEffects xmlns:a14="http://schemas.microsoft.com/office/drawing/2010/main" xmlns="">
                 <a:effectLst>
                   <a:outerShdw dist="35921" dir="2700000" algn="ctr" rotWithShape="0">
                     <a:schemeClr val="bg2"/>
@@ -668,14 +668,14 @@
           <a:effectLst/>
           <a:extLst>
             <a:ext uri="{909E8E84-426E-40DD-AFC4-6F175D3DCCD1}">
-              <a14:hiddenFill xmlns:a14="http://schemas.microsoft.com/office/drawing/2010/main">
+              <a14:hiddenFill xmlns:a14="http://schemas.microsoft.com/office/drawing/2010/main" xmlns="">
                 <a:solidFill>
                   <a:schemeClr val="accent1"/>
                 </a:solidFill>
               </a14:hiddenFill>
             </a:ext>
             <a:ext uri="{91240B29-F687-4F45-9708-019B960494DF}">
-              <a14:hiddenLine xmlns:a14="http://schemas.microsoft.com/office/drawing/2010/main" w="9525">
+              <a14:hiddenLine xmlns:a14="http://schemas.microsoft.com/office/drawing/2010/main" xmlns="" w="9525">
                 <a:solidFill>
                   <a:schemeClr val="tx1"/>
                 </a:solidFill>
@@ -685,7 +685,7 @@
               </a14:hiddenLine>
             </a:ext>
             <a:ext uri="{AF507438-7753-43E0-B8FC-AC1667EBCBE1}">
-              <a14:hiddenEffects xmlns:a14="http://schemas.microsoft.com/office/drawing/2010/main">
+              <a14:hiddenEffects xmlns:a14="http://schemas.microsoft.com/office/drawing/2010/main" xmlns="">
                 <a:effectLst>
                   <a:outerShdw dist="35921" dir="2700000" algn="ctr" rotWithShape="0">
                     <a:schemeClr val="bg2"/>
@@ -746,14 +746,14 @@
           <a:effectLst/>
           <a:extLst>
             <a:ext uri="{909E8E84-426E-40DD-AFC4-6F175D3DCCD1}">
-              <a14:hiddenFill xmlns:a14="http://schemas.microsoft.com/office/drawing/2010/main">
+              <a14:hiddenFill xmlns:a14="http://schemas.microsoft.com/office/drawing/2010/main" xmlns="">
                 <a:solidFill>
                   <a:srgbClr val="FFFFFF"/>
                 </a:solidFill>
               </a14:hiddenFill>
             </a:ext>
             <a:ext uri="{AF507438-7753-43E0-B8FC-AC1667EBCBE1}">
-              <a14:hiddenEffects xmlns:a14="http://schemas.microsoft.com/office/drawing/2010/main">
+              <a14:hiddenEffects xmlns:a14="http://schemas.microsoft.com/office/drawing/2010/main" xmlns="">
                 <a:effectLst>
                   <a:outerShdw dist="35921" dir="2700000" algn="ctr" rotWithShape="0">
                     <a:srgbClr val="808080"/>
@@ -762,7 +762,7 @@
               </a14:hiddenEffects>
             </a:ext>
             <a:ext uri="{53640926-AAD7-44D8-BBD7-CCE9431645EC}">
-              <a14:shadowObscured xmlns:a14="http://schemas.microsoft.com/office/drawing/2010/main" val="1"/>
+              <a14:shadowObscured xmlns:a14="http://schemas.microsoft.com/office/drawing/2010/main" xmlns="" val="1"/>
             </a:ext>
           </a:extLst>
         </p:spPr>
@@ -792,14 +792,14 @@
           <a:effectLst/>
           <a:extLst>
             <a:ext uri="{909E8E84-426E-40DD-AFC4-6F175D3DCCD1}">
-              <a14:hiddenFill xmlns:a14="http://schemas.microsoft.com/office/drawing/2010/main">
+              <a14:hiddenFill xmlns:a14="http://schemas.microsoft.com/office/drawing/2010/main" xmlns="">
                 <a:solidFill>
                   <a:schemeClr val="accent1"/>
                 </a:solidFill>
               </a14:hiddenFill>
             </a:ext>
             <a:ext uri="{91240B29-F687-4F45-9708-019B960494DF}">
-              <a14:hiddenLine xmlns:a14="http://schemas.microsoft.com/office/drawing/2010/main" w="9525">
+              <a14:hiddenLine xmlns:a14="http://schemas.microsoft.com/office/drawing/2010/main" xmlns="" w="9525">
                 <a:solidFill>
                   <a:schemeClr val="tx1"/>
                 </a:solidFill>
@@ -809,7 +809,7 @@
               </a14:hiddenLine>
             </a:ext>
             <a:ext uri="{AF507438-7753-43E0-B8FC-AC1667EBCBE1}">
-              <a14:hiddenEffects xmlns:a14="http://schemas.microsoft.com/office/drawing/2010/main">
+              <a14:hiddenEffects xmlns:a14="http://schemas.microsoft.com/office/drawing/2010/main" xmlns="">
                 <a:effectLst>
                   <a:outerShdw dist="35921" dir="2700000" algn="ctr" rotWithShape="0">
                     <a:schemeClr val="bg2"/>
@@ -888,14 +888,14 @@
           <a:effectLst/>
           <a:extLst>
             <a:ext uri="{909E8E84-426E-40DD-AFC4-6F175D3DCCD1}">
-              <a14:hiddenFill xmlns:a14="http://schemas.microsoft.com/office/drawing/2010/main">
+              <a14:hiddenFill xmlns:a14="http://schemas.microsoft.com/office/drawing/2010/main" xmlns="">
                 <a:solidFill>
                   <a:schemeClr val="accent1"/>
                 </a:solidFill>
               </a14:hiddenFill>
             </a:ext>
             <a:ext uri="{91240B29-F687-4F45-9708-019B960494DF}">
-              <a14:hiddenLine xmlns:a14="http://schemas.microsoft.com/office/drawing/2010/main" w="9525">
+              <a14:hiddenLine xmlns:a14="http://schemas.microsoft.com/office/drawing/2010/main" xmlns="" w="9525">
                 <a:solidFill>
                   <a:schemeClr val="tx1"/>
                 </a:solidFill>
@@ -905,7 +905,7 @@
               </a14:hiddenLine>
             </a:ext>
             <a:ext uri="{AF507438-7753-43E0-B8FC-AC1667EBCBE1}">
-              <a14:hiddenEffects xmlns:a14="http://schemas.microsoft.com/office/drawing/2010/main">
+              <a14:hiddenEffects xmlns:a14="http://schemas.microsoft.com/office/drawing/2010/main" xmlns="">
                 <a:effectLst>
                   <a:outerShdw dist="35921" dir="2700000" algn="ctr" rotWithShape="0">
                     <a:schemeClr val="bg2"/>
@@ -961,14 +961,14 @@
           <a:effectLst/>
           <a:extLst>
             <a:ext uri="{909E8E84-426E-40DD-AFC4-6F175D3DCCD1}">
-              <a14:hiddenFill xmlns:a14="http://schemas.microsoft.com/office/drawing/2010/main">
+              <a14:hiddenFill xmlns:a14="http://schemas.microsoft.com/office/drawing/2010/main" xmlns="">
                 <a:solidFill>
                   <a:schemeClr val="accent1"/>
                 </a:solidFill>
               </a14:hiddenFill>
             </a:ext>
             <a:ext uri="{91240B29-F687-4F45-9708-019B960494DF}">
-              <a14:hiddenLine xmlns:a14="http://schemas.microsoft.com/office/drawing/2010/main" w="9525">
+              <a14:hiddenLine xmlns:a14="http://schemas.microsoft.com/office/drawing/2010/main" xmlns="" w="9525">
                 <a:solidFill>
                   <a:schemeClr val="tx1"/>
                 </a:solidFill>
@@ -978,7 +978,7 @@
               </a14:hiddenLine>
             </a:ext>
             <a:ext uri="{AF507438-7753-43E0-B8FC-AC1667EBCBE1}">
-              <a14:hiddenEffects xmlns:a14="http://schemas.microsoft.com/office/drawing/2010/main">
+              <a14:hiddenEffects xmlns:a14="http://schemas.microsoft.com/office/drawing/2010/main" xmlns="">
                 <a:effectLst>
                   <a:outerShdw dist="35921" dir="2700000" algn="ctr" rotWithShape="0">
                     <a:schemeClr val="bg2"/>
@@ -1019,7 +1019,7 @@
     </p:spTree>
     <p:extLst>
       <p:ext uri="{BB962C8B-B14F-4D97-AF65-F5344CB8AC3E}">
-        <p14:creationId xmlns:p14="http://schemas.microsoft.com/office/powerpoint/2010/main" val="2135787579"/>
+        <p14:creationId xmlns:p14="http://schemas.microsoft.com/office/powerpoint/2010/main" xmlns="" val="2135787579"/>
       </p:ext>
     </p:extLst>
   </p:cSld>
@@ -1344,7 +1344,7 @@
     </p:spTree>
     <p:extLst>
       <p:ext uri="{BB962C8B-B14F-4D97-AF65-F5344CB8AC3E}">
-        <p14:creationId xmlns:p14="http://schemas.microsoft.com/office/powerpoint/2010/main" val="107639881"/>
+        <p14:creationId xmlns:p14="http://schemas.microsoft.com/office/powerpoint/2010/main" xmlns="" val="107639881"/>
       </p:ext>
     </p:extLst>
   </p:cSld>
@@ -1574,7 +1574,7 @@
     </p:spTree>
     <p:extLst>
       <p:ext uri="{BB962C8B-B14F-4D97-AF65-F5344CB8AC3E}">
-        <p14:creationId xmlns:p14="http://schemas.microsoft.com/office/powerpoint/2010/main" val="145630636"/>
+        <p14:creationId xmlns:p14="http://schemas.microsoft.com/office/powerpoint/2010/main" xmlns="" val="145630636"/>
       </p:ext>
     </p:extLst>
   </p:cSld>
@@ -1723,7 +1723,7 @@
               <a:pPr>
                 <a:defRPr/>
               </a:pPr>
-              <a:t>27-Sep-15</a:t>
+              <a:t>28-Sep-15</a:t>
             </a:fld>
             <a:endParaRPr lang="en-US"/>
           </a:p>
@@ -1807,7 +1807,7 @@
     </p:spTree>
     <p:extLst>
       <p:ext uri="{BB962C8B-B14F-4D97-AF65-F5344CB8AC3E}">
-        <p14:creationId xmlns:p14="http://schemas.microsoft.com/office/powerpoint/2010/main" val="527911946"/>
+        <p14:creationId xmlns:p14="http://schemas.microsoft.com/office/powerpoint/2010/main" xmlns="" val="527911946"/>
       </p:ext>
     </p:extLst>
   </p:cSld>
@@ -2022,7 +2022,7 @@
               <a:pPr>
                 <a:defRPr/>
               </a:pPr>
-              <a:t>27-Sep-15</a:t>
+              <a:t>28-Sep-15</a:t>
             </a:fld>
             <a:endParaRPr lang="en-US"/>
           </a:p>
@@ -2106,7 +2106,7 @@
     </p:spTree>
     <p:extLst>
       <p:ext uri="{BB962C8B-B14F-4D97-AF65-F5344CB8AC3E}">
-        <p14:creationId xmlns:p14="http://schemas.microsoft.com/office/powerpoint/2010/main" val="3282952438"/>
+        <p14:creationId xmlns:p14="http://schemas.microsoft.com/office/powerpoint/2010/main" xmlns="" val="3282952438"/>
       </p:ext>
     </p:extLst>
   </p:cSld>
@@ -2237,7 +2237,7 @@
               <a:pPr>
                 <a:defRPr/>
               </a:pPr>
-              <a:t>27-Sep-15</a:t>
+              <a:t>28-Sep-15</a:t>
             </a:fld>
             <a:endParaRPr lang="en-US"/>
           </a:p>
@@ -2321,7 +2321,7 @@
     </p:spTree>
     <p:extLst>
       <p:ext uri="{BB962C8B-B14F-4D97-AF65-F5344CB8AC3E}">
-        <p14:creationId xmlns:p14="http://schemas.microsoft.com/office/powerpoint/2010/main" val="1945742052"/>
+        <p14:creationId xmlns:p14="http://schemas.microsoft.com/office/powerpoint/2010/main" xmlns="" val="1945742052"/>
       </p:ext>
     </p:extLst>
   </p:cSld>
@@ -2462,7 +2462,7 @@
               <a:pPr>
                 <a:defRPr/>
               </a:pPr>
-              <a:t>27-Sep-15</a:t>
+              <a:t>28-Sep-15</a:t>
             </a:fld>
             <a:endParaRPr lang="en-US"/>
           </a:p>
@@ -2546,7 +2546,7 @@
     </p:spTree>
     <p:extLst>
       <p:ext uri="{BB962C8B-B14F-4D97-AF65-F5344CB8AC3E}">
-        <p14:creationId xmlns:p14="http://schemas.microsoft.com/office/powerpoint/2010/main" val="1193468177"/>
+        <p14:creationId xmlns:p14="http://schemas.microsoft.com/office/powerpoint/2010/main" xmlns="" val="1193468177"/>
       </p:ext>
     </p:extLst>
   </p:cSld>
@@ -2677,7 +2677,7 @@
               <a:pPr>
                 <a:defRPr/>
               </a:pPr>
-              <a:t>27-Sep-15</a:t>
+              <a:t>28-Sep-15</a:t>
             </a:fld>
             <a:endParaRPr lang="en-US"/>
           </a:p>
@@ -2761,7 +2761,7 @@
     </p:spTree>
     <p:extLst>
       <p:ext uri="{BB962C8B-B14F-4D97-AF65-F5344CB8AC3E}">
-        <p14:creationId xmlns:p14="http://schemas.microsoft.com/office/powerpoint/2010/main" val="2950734829"/>
+        <p14:creationId xmlns:p14="http://schemas.microsoft.com/office/powerpoint/2010/main" xmlns="" val="2950734829"/>
       </p:ext>
     </p:extLst>
   </p:cSld>
@@ -2914,7 +2914,7 @@
               <a:pPr>
                 <a:defRPr/>
               </a:pPr>
-              <a:t>27-Sep-15</a:t>
+              <a:t>28-Sep-15</a:t>
             </a:fld>
             <a:endParaRPr lang="en-US"/>
           </a:p>
@@ -2998,7 +2998,7 @@
     </p:spTree>
     <p:extLst>
       <p:ext uri="{BB962C8B-B14F-4D97-AF65-F5344CB8AC3E}">
-        <p14:creationId xmlns:p14="http://schemas.microsoft.com/office/powerpoint/2010/main" val="3700818867"/>
+        <p14:creationId xmlns:p14="http://schemas.microsoft.com/office/powerpoint/2010/main" xmlns="" val="3700818867"/>
       </p:ext>
     </p:extLst>
   </p:cSld>
@@ -3247,7 +3247,7 @@
               <a:pPr>
                 <a:defRPr/>
               </a:pPr>
-              <a:t>27-Sep-15</a:t>
+              <a:t>28-Sep-15</a:t>
             </a:fld>
             <a:endParaRPr lang="en-US"/>
           </a:p>
@@ -3331,7 +3331,7 @@
     </p:spTree>
     <p:extLst>
       <p:ext uri="{BB962C8B-B14F-4D97-AF65-F5344CB8AC3E}">
-        <p14:creationId xmlns:p14="http://schemas.microsoft.com/office/powerpoint/2010/main" val="886575330"/>
+        <p14:creationId xmlns:p14="http://schemas.microsoft.com/office/powerpoint/2010/main" xmlns="" val="886575330"/>
       </p:ext>
     </p:extLst>
   </p:cSld>
@@ -3719,7 +3719,7 @@
               <a:pPr>
                 <a:defRPr/>
               </a:pPr>
-              <a:t>27-Sep-15</a:t>
+              <a:t>28-Sep-15</a:t>
             </a:fld>
             <a:endParaRPr lang="en-US"/>
           </a:p>
@@ -3803,7 +3803,7 @@
     </p:spTree>
     <p:extLst>
       <p:ext uri="{BB962C8B-B14F-4D97-AF65-F5344CB8AC3E}">
-        <p14:creationId xmlns:p14="http://schemas.microsoft.com/office/powerpoint/2010/main" val="3538428191"/>
+        <p14:creationId xmlns:p14="http://schemas.microsoft.com/office/powerpoint/2010/main" xmlns="" val="3538428191"/>
       </p:ext>
     </p:extLst>
   </p:cSld>
@@ -3882,7 +3882,7 @@
               <a:pPr>
                 <a:defRPr/>
               </a:pPr>
-              <a:t>27-Sep-15</a:t>
+              <a:t>28-Sep-15</a:t>
             </a:fld>
             <a:endParaRPr lang="en-US"/>
           </a:p>
@@ -3966,7 +3966,7 @@
     </p:spTree>
     <p:extLst>
       <p:ext uri="{BB962C8B-B14F-4D97-AF65-F5344CB8AC3E}">
-        <p14:creationId xmlns:p14="http://schemas.microsoft.com/office/powerpoint/2010/main" val="2555018884"/>
+        <p14:creationId xmlns:p14="http://schemas.microsoft.com/office/powerpoint/2010/main" xmlns="" val="2555018884"/>
       </p:ext>
     </p:extLst>
   </p:cSld>
@@ -4022,7 +4022,7 @@
               <a:pPr>
                 <a:defRPr/>
               </a:pPr>
-              <a:t>27-Sep-15</a:t>
+              <a:t>28-Sep-15</a:t>
             </a:fld>
             <a:endParaRPr lang="en-US"/>
           </a:p>
@@ -4106,7 +4106,7 @@
     </p:spTree>
     <p:extLst>
       <p:ext uri="{BB962C8B-B14F-4D97-AF65-F5344CB8AC3E}">
-        <p14:creationId xmlns:p14="http://schemas.microsoft.com/office/powerpoint/2010/main" val="27668935"/>
+        <p14:creationId xmlns:p14="http://schemas.microsoft.com/office/powerpoint/2010/main" xmlns="" val="27668935"/>
       </p:ext>
     </p:extLst>
   </p:cSld>
@@ -4179,7 +4179,7 @@
               <a:pPr>
                 <a:defRPr/>
               </a:pPr>
-              <a:t>27-Sep-15</a:t>
+              <a:t>28-Sep-15</a:t>
             </a:fld>
             <a:endParaRPr lang="en-US"/>
           </a:p>
@@ -4251,7 +4251,7 @@
     </p:spTree>
     <p:extLst>
       <p:ext uri="{BB962C8B-B14F-4D97-AF65-F5344CB8AC3E}">
-        <p14:creationId xmlns:p14="http://schemas.microsoft.com/office/powerpoint/2010/main" val="1658973383"/>
+        <p14:creationId xmlns:p14="http://schemas.microsoft.com/office/powerpoint/2010/main" xmlns="" val="1658973383"/>
       </p:ext>
     </p:extLst>
   </p:cSld>
@@ -4489,7 +4489,7 @@
               <a:pPr>
                 <a:defRPr/>
               </a:pPr>
-              <a:t>27-Sep-15</a:t>
+              <a:t>28-Sep-15</a:t>
             </a:fld>
             <a:endParaRPr lang="en-US"/>
           </a:p>
@@ -4573,7 +4573,7 @@
     </p:spTree>
     <p:extLst>
       <p:ext uri="{BB962C8B-B14F-4D97-AF65-F5344CB8AC3E}">
-        <p14:creationId xmlns:p14="http://schemas.microsoft.com/office/powerpoint/2010/main" val="2222595902"/>
+        <p14:creationId xmlns:p14="http://schemas.microsoft.com/office/powerpoint/2010/main" xmlns="" val="2222595902"/>
       </p:ext>
     </p:extLst>
   </p:cSld>
@@ -4620,7 +4620,7 @@
           <a:blip r:embed="rId14" cstate="print">
             <a:extLst>
               <a:ext uri="{28A0092B-C50C-407E-A947-70E740481C1C}">
-                <a14:useLocalDpi xmlns:a14="http://schemas.microsoft.com/office/drawing/2010/main" val="0"/>
+                <a14:useLocalDpi xmlns:a14="http://schemas.microsoft.com/office/drawing/2010/main" xmlns="" val="0"/>
               </a:ext>
             </a:extLst>
           </a:blip>
@@ -4643,14 +4643,14 @@
           </a:ln>
           <a:extLst>
             <a:ext uri="{909E8E84-426E-40DD-AFC4-6F175D3DCCD1}">
-              <a14:hiddenFill xmlns:a14="http://schemas.microsoft.com/office/drawing/2010/main">
+              <a14:hiddenFill xmlns:a14="http://schemas.microsoft.com/office/drawing/2010/main" xmlns="">
                 <a:solidFill>
                   <a:srgbClr val="FFFFFF"/>
                 </a:solidFill>
               </a14:hiddenFill>
             </a:ext>
             <a:ext uri="{91240B29-F687-4F45-9708-019B960494DF}">
-              <a14:hiddenLine xmlns:a14="http://schemas.microsoft.com/office/drawing/2010/main" w="9525">
+              <a14:hiddenLine xmlns:a14="http://schemas.microsoft.com/office/drawing/2010/main" xmlns="" w="9525">
                 <a:solidFill>
                   <a:srgbClr val="000000"/>
                 </a:solidFill>
@@ -4690,12 +4690,12 @@
           <a:effectLst/>
           <a:extLst>
             <a:ext uri="{909E8E84-426E-40DD-AFC4-6F175D3DCCD1}">
-              <a14:hiddenFill xmlns:a14="http://schemas.microsoft.com/office/drawing/2010/main">
+              <a14:hiddenFill xmlns:a14="http://schemas.microsoft.com/office/drawing/2010/main" xmlns="">
                 <a:noFill/>
               </a14:hiddenFill>
             </a:ext>
             <a:ext uri="{AF507438-7753-43E0-B8FC-AC1667EBCBE1}">
-              <a14:hiddenEffects xmlns:a14="http://schemas.microsoft.com/office/drawing/2010/main">
+              <a14:hiddenEffects xmlns:a14="http://schemas.microsoft.com/office/drawing/2010/main" xmlns="">
                 <a:effectLst>
                   <a:outerShdw dist="35921" dir="2700000" algn="ctr" rotWithShape="0">
                     <a:schemeClr val="bg2"/>
@@ -4725,7 +4725,7 @@
           <a:blip r:embed="rId14" cstate="print">
             <a:extLst>
               <a:ext uri="{28A0092B-C50C-407E-A947-70E740481C1C}">
-                <a14:useLocalDpi xmlns:a14="http://schemas.microsoft.com/office/drawing/2010/main" val="0"/>
+                <a14:useLocalDpi xmlns:a14="http://schemas.microsoft.com/office/drawing/2010/main" xmlns="" val="0"/>
               </a:ext>
             </a:extLst>
           </a:blip>
@@ -4748,14 +4748,14 @@
           </a:ln>
           <a:extLst>
             <a:ext uri="{909E8E84-426E-40DD-AFC4-6F175D3DCCD1}">
-              <a14:hiddenFill xmlns:a14="http://schemas.microsoft.com/office/drawing/2010/main">
+              <a14:hiddenFill xmlns:a14="http://schemas.microsoft.com/office/drawing/2010/main" xmlns="">
                 <a:solidFill>
                   <a:srgbClr val="FFFFFF"/>
                 </a:solidFill>
               </a14:hiddenFill>
             </a:ext>
             <a:ext uri="{91240B29-F687-4F45-9708-019B960494DF}">
-              <a14:hiddenLine xmlns:a14="http://schemas.microsoft.com/office/drawing/2010/main" w="9525">
+              <a14:hiddenLine xmlns:a14="http://schemas.microsoft.com/office/drawing/2010/main" xmlns="" w="9525">
                 <a:solidFill>
                   <a:srgbClr val="000000"/>
                 </a:solidFill>
@@ -4792,14 +4792,14 @@
           <a:effectLst/>
           <a:extLst>
             <a:ext uri="{909E8E84-426E-40DD-AFC4-6F175D3DCCD1}">
-              <a14:hiddenFill xmlns:a14="http://schemas.microsoft.com/office/drawing/2010/main">
+              <a14:hiddenFill xmlns:a14="http://schemas.microsoft.com/office/drawing/2010/main" xmlns="">
                 <a:solidFill>
                   <a:schemeClr val="accent1"/>
                 </a:solidFill>
               </a14:hiddenFill>
             </a:ext>
             <a:ext uri="{91240B29-F687-4F45-9708-019B960494DF}">
-              <a14:hiddenLine xmlns:a14="http://schemas.microsoft.com/office/drawing/2010/main" w="9525">
+              <a14:hiddenLine xmlns:a14="http://schemas.microsoft.com/office/drawing/2010/main" xmlns="" w="9525">
                 <a:solidFill>
                   <a:schemeClr val="tx1"/>
                 </a:solidFill>
@@ -4809,7 +4809,7 @@
               </a14:hiddenLine>
             </a:ext>
             <a:ext uri="{AF507438-7753-43E0-B8FC-AC1667EBCBE1}">
-              <a14:hiddenEffects xmlns:a14="http://schemas.microsoft.com/office/drawing/2010/main">
+              <a14:hiddenEffects xmlns:a14="http://schemas.microsoft.com/office/drawing/2010/main" xmlns="">
                 <a:effectLst>
                   <a:outerShdw dist="35921" dir="2700000" algn="ctr" rotWithShape="0">
                     <a:schemeClr val="bg2"/>
@@ -4860,14 +4860,14 @@
           <a:effectLst/>
           <a:extLst>
             <a:ext uri="{909E8E84-426E-40DD-AFC4-6F175D3DCCD1}">
-              <a14:hiddenFill xmlns:a14="http://schemas.microsoft.com/office/drawing/2010/main">
+              <a14:hiddenFill xmlns:a14="http://schemas.microsoft.com/office/drawing/2010/main" xmlns="">
                 <a:solidFill>
                   <a:schemeClr val="accent1"/>
                 </a:solidFill>
               </a14:hiddenFill>
             </a:ext>
             <a:ext uri="{91240B29-F687-4F45-9708-019B960494DF}">
-              <a14:hiddenLine xmlns:a14="http://schemas.microsoft.com/office/drawing/2010/main" w="9525">
+              <a14:hiddenLine xmlns:a14="http://schemas.microsoft.com/office/drawing/2010/main" xmlns="" w="9525">
                 <a:solidFill>
                   <a:schemeClr val="tx1"/>
                 </a:solidFill>
@@ -4877,7 +4877,7 @@
               </a14:hiddenLine>
             </a:ext>
             <a:ext uri="{AF507438-7753-43E0-B8FC-AC1667EBCBE1}">
-              <a14:hiddenEffects xmlns:a14="http://schemas.microsoft.com/office/drawing/2010/main">
+              <a14:hiddenEffects xmlns:a14="http://schemas.microsoft.com/office/drawing/2010/main" xmlns="">
                 <a:effectLst>
                   <a:outerShdw dist="35921" dir="2700000" algn="ctr" rotWithShape="0">
                     <a:schemeClr val="bg2"/>
@@ -4956,14 +4956,14 @@
           <a:effectLst/>
           <a:extLst>
             <a:ext uri="{909E8E84-426E-40DD-AFC4-6F175D3DCCD1}">
-              <a14:hiddenFill xmlns:a14="http://schemas.microsoft.com/office/drawing/2010/main">
+              <a14:hiddenFill xmlns:a14="http://schemas.microsoft.com/office/drawing/2010/main" xmlns="">
                 <a:solidFill>
                   <a:schemeClr val="accent1"/>
                 </a:solidFill>
               </a14:hiddenFill>
             </a:ext>
             <a:ext uri="{91240B29-F687-4F45-9708-019B960494DF}">
-              <a14:hiddenLine xmlns:a14="http://schemas.microsoft.com/office/drawing/2010/main" w="9525">
+              <a14:hiddenLine xmlns:a14="http://schemas.microsoft.com/office/drawing/2010/main" xmlns="" w="9525">
                 <a:solidFill>
                   <a:schemeClr val="tx1"/>
                 </a:solidFill>
@@ -4973,7 +4973,7 @@
               </a14:hiddenLine>
             </a:ext>
             <a:ext uri="{AF507438-7753-43E0-B8FC-AC1667EBCBE1}">
-              <a14:hiddenEffects xmlns:a14="http://schemas.microsoft.com/office/drawing/2010/main">
+              <a14:hiddenEffects xmlns:a14="http://schemas.microsoft.com/office/drawing/2010/main" xmlns="">
                 <a:effectLst>
                   <a:outerShdw dist="35921" dir="2700000" algn="ctr" rotWithShape="0">
                     <a:schemeClr val="bg2"/>
@@ -5003,7 +5003,7 @@
               <a:pPr>
                 <a:defRPr/>
               </a:pPr>
-              <a:t>27-Sep-15</a:t>
+              <a:t>28-Sep-15</a:t>
             </a:fld>
             <a:endParaRPr lang="en-US" dirty="0"/>
           </a:p>
@@ -5034,14 +5034,14 @@
           <a:effectLst/>
           <a:extLst>
             <a:ext uri="{909E8E84-426E-40DD-AFC4-6F175D3DCCD1}">
-              <a14:hiddenFill xmlns:a14="http://schemas.microsoft.com/office/drawing/2010/main">
+              <a14:hiddenFill xmlns:a14="http://schemas.microsoft.com/office/drawing/2010/main" xmlns="">
                 <a:solidFill>
                   <a:schemeClr val="accent1"/>
                 </a:solidFill>
               </a14:hiddenFill>
             </a:ext>
             <a:ext uri="{91240B29-F687-4F45-9708-019B960494DF}">
-              <a14:hiddenLine xmlns:a14="http://schemas.microsoft.com/office/drawing/2010/main" w="9525">
+              <a14:hiddenLine xmlns:a14="http://schemas.microsoft.com/office/drawing/2010/main" xmlns="" w="9525">
                 <a:solidFill>
                   <a:schemeClr val="tx1"/>
                 </a:solidFill>
@@ -5051,7 +5051,7 @@
               </a14:hiddenLine>
             </a:ext>
             <a:ext uri="{AF507438-7753-43E0-B8FC-AC1667EBCBE1}">
-              <a14:hiddenEffects xmlns:a14="http://schemas.microsoft.com/office/drawing/2010/main">
+              <a14:hiddenEffects xmlns:a14="http://schemas.microsoft.com/office/drawing/2010/main" xmlns="">
                 <a:effectLst>
                   <a:outerShdw dist="35921" dir="2700000" algn="ctr" rotWithShape="0">
                     <a:schemeClr val="bg2"/>
@@ -5113,14 +5113,14 @@
           <a:effectLst/>
           <a:extLst>
             <a:ext uri="{909E8E84-426E-40DD-AFC4-6F175D3DCCD1}">
-              <a14:hiddenFill xmlns:a14="http://schemas.microsoft.com/office/drawing/2010/main">
+              <a14:hiddenFill xmlns:a14="http://schemas.microsoft.com/office/drawing/2010/main" xmlns="">
                 <a:solidFill>
                   <a:schemeClr val="accent1"/>
                 </a:solidFill>
               </a14:hiddenFill>
             </a:ext>
             <a:ext uri="{91240B29-F687-4F45-9708-019B960494DF}">
-              <a14:hiddenLine xmlns:a14="http://schemas.microsoft.com/office/drawing/2010/main" w="9525">
+              <a14:hiddenLine xmlns:a14="http://schemas.microsoft.com/office/drawing/2010/main" xmlns="" w="9525">
                 <a:solidFill>
                   <a:schemeClr val="tx1"/>
                 </a:solidFill>
@@ -5130,7 +5130,7 @@
               </a14:hiddenLine>
             </a:ext>
             <a:ext uri="{AF507438-7753-43E0-B8FC-AC1667EBCBE1}">
-              <a14:hiddenEffects xmlns:a14="http://schemas.microsoft.com/office/drawing/2010/main">
+              <a14:hiddenEffects xmlns:a14="http://schemas.microsoft.com/office/drawing/2010/main" xmlns="">
                 <a:effectLst>
                   <a:outerShdw dist="35921" dir="2700000" algn="ctr" rotWithShape="0">
                     <a:schemeClr val="bg2"/>
@@ -5198,12 +5198,12 @@
           <a:effectLst/>
           <a:extLst>
             <a:ext uri="{909E8E84-426E-40DD-AFC4-6F175D3DCCD1}">
-              <a14:hiddenFill xmlns:a14="http://schemas.microsoft.com/office/drawing/2010/main">
+              <a14:hiddenFill xmlns:a14="http://schemas.microsoft.com/office/drawing/2010/main" xmlns="">
                 <a:noFill/>
               </a14:hiddenFill>
             </a:ext>
             <a:ext uri="{AF507438-7753-43E0-B8FC-AC1667EBCBE1}">
-              <a14:hiddenEffects xmlns:a14="http://schemas.microsoft.com/office/drawing/2010/main">
+              <a14:hiddenEffects xmlns:a14="http://schemas.microsoft.com/office/drawing/2010/main" xmlns="">
                 <a:effectLst>
                   <a:outerShdw dist="35921" dir="2700000" algn="ctr" rotWithShape="0">
                     <a:schemeClr val="bg2"/>
@@ -5249,12 +5249,12 @@
           <a:effectLst/>
           <a:extLst>
             <a:ext uri="{909E8E84-426E-40DD-AFC4-6F175D3DCCD1}">
-              <a14:hiddenFill xmlns:a14="http://schemas.microsoft.com/office/drawing/2010/main">
+              <a14:hiddenFill xmlns:a14="http://schemas.microsoft.com/office/drawing/2010/main" xmlns="">
                 <a:noFill/>
               </a14:hiddenFill>
             </a:ext>
             <a:ext uri="{AF507438-7753-43E0-B8FC-AC1667EBCBE1}">
-              <a14:hiddenEffects xmlns:a14="http://schemas.microsoft.com/office/drawing/2010/main">
+              <a14:hiddenEffects xmlns:a14="http://schemas.microsoft.com/office/drawing/2010/main" xmlns="">
                 <a:effectLst>
                   <a:outerShdw dist="35921" dir="2700000" algn="ctr" rotWithShape="0">
                     <a:schemeClr val="bg2"/>
@@ -5300,12 +5300,12 @@
           <a:effectLst/>
           <a:extLst>
             <a:ext uri="{909E8E84-426E-40DD-AFC4-6F175D3DCCD1}">
-              <a14:hiddenFill xmlns:a14="http://schemas.microsoft.com/office/drawing/2010/main">
+              <a14:hiddenFill xmlns:a14="http://schemas.microsoft.com/office/drawing/2010/main" xmlns="">
                 <a:noFill/>
               </a14:hiddenFill>
             </a:ext>
             <a:ext uri="{AF507438-7753-43E0-B8FC-AC1667EBCBE1}">
-              <a14:hiddenEffects xmlns:a14="http://schemas.microsoft.com/office/drawing/2010/main">
+              <a14:hiddenEffects xmlns:a14="http://schemas.microsoft.com/office/drawing/2010/main" xmlns="">
                 <a:effectLst>
                   <a:outerShdw dist="35921" dir="2700000" algn="ctr" rotWithShape="0">
                     <a:schemeClr val="bg2"/>
@@ -5351,12 +5351,12 @@
           <a:effectLst/>
           <a:extLst>
             <a:ext uri="{909E8E84-426E-40DD-AFC4-6F175D3DCCD1}">
-              <a14:hiddenFill xmlns:a14="http://schemas.microsoft.com/office/drawing/2010/main">
+              <a14:hiddenFill xmlns:a14="http://schemas.microsoft.com/office/drawing/2010/main" xmlns="">
                 <a:noFill/>
               </a14:hiddenFill>
             </a:ext>
             <a:ext uri="{AF507438-7753-43E0-B8FC-AC1667EBCBE1}">
-              <a14:hiddenEffects xmlns:a14="http://schemas.microsoft.com/office/drawing/2010/main">
+              <a14:hiddenEffects xmlns:a14="http://schemas.microsoft.com/office/drawing/2010/main" xmlns="">
                 <a:effectLst>
                   <a:outerShdw dist="35921" dir="2700000" algn="ctr" rotWithShape="0">
                     <a:schemeClr val="bg2"/>
@@ -5386,7 +5386,7 @@
           <a:blip r:embed="rId15" cstate="print">
             <a:extLst>
               <a:ext uri="{28A0092B-C50C-407E-A947-70E740481C1C}">
-                <a14:useLocalDpi xmlns:a14="http://schemas.microsoft.com/office/drawing/2010/main" val="0"/>
+                <a14:useLocalDpi xmlns:a14="http://schemas.microsoft.com/office/drawing/2010/main" xmlns="" val="0"/>
               </a:ext>
             </a:extLst>
           </a:blip>
@@ -5409,14 +5409,14 @@
           </a:ln>
           <a:extLst>
             <a:ext uri="{909E8E84-426E-40DD-AFC4-6F175D3DCCD1}">
-              <a14:hiddenFill xmlns:a14="http://schemas.microsoft.com/office/drawing/2010/main">
+              <a14:hiddenFill xmlns:a14="http://schemas.microsoft.com/office/drawing/2010/main" xmlns="">
                 <a:solidFill>
                   <a:srgbClr val="FFFFFF"/>
                 </a:solidFill>
               </a14:hiddenFill>
             </a:ext>
             <a:ext uri="{91240B29-F687-4F45-9708-019B960494DF}">
-              <a14:hiddenLine xmlns:a14="http://schemas.microsoft.com/office/drawing/2010/main" w="9525">
+              <a14:hiddenLine xmlns:a14="http://schemas.microsoft.com/office/drawing/2010/main" xmlns="" w="9525">
                 <a:solidFill>
                   <a:srgbClr val="000000"/>
                 </a:solidFill>
@@ -5440,7 +5440,7 @@
           <a:blip r:embed="rId16" cstate="print">
             <a:extLst>
               <a:ext uri="{28A0092B-C50C-407E-A947-70E740481C1C}">
-                <a14:useLocalDpi xmlns:a14="http://schemas.microsoft.com/office/drawing/2010/main" val="0"/>
+                <a14:useLocalDpi xmlns:a14="http://schemas.microsoft.com/office/drawing/2010/main" xmlns="" val="0"/>
               </a:ext>
             </a:extLst>
           </a:blip>
@@ -5463,14 +5463,14 @@
           </a:ln>
           <a:extLst>
             <a:ext uri="{909E8E84-426E-40DD-AFC4-6F175D3DCCD1}">
-              <a14:hiddenFill xmlns:a14="http://schemas.microsoft.com/office/drawing/2010/main">
+              <a14:hiddenFill xmlns:a14="http://schemas.microsoft.com/office/drawing/2010/main" xmlns="">
                 <a:solidFill>
                   <a:srgbClr val="FFFFFF"/>
                 </a:solidFill>
               </a14:hiddenFill>
             </a:ext>
             <a:ext uri="{91240B29-F687-4F45-9708-019B960494DF}">
-              <a14:hiddenLine xmlns:a14="http://schemas.microsoft.com/office/drawing/2010/main" w="9525">
+              <a14:hiddenLine xmlns:a14="http://schemas.microsoft.com/office/drawing/2010/main" xmlns="" w="9525">
                 <a:solidFill>
                   <a:srgbClr val="000000"/>
                 </a:solidFill>
@@ -6109,7 +6109,7 @@
             <a:fld id="{F7D3E634-46B0-4104-B8D4-4602278630F2}" type="datetime5">
               <a:rPr lang="en-US"/>
               <a:pPr/>
-              <a:t>27-Sep-15</a:t>
+              <a:t>28-Sep-15</a:t>
             </a:fld>
             <a:endParaRPr lang="en-US"/>
           </a:p>
@@ -6324,7 +6324,7 @@
               <a:pPr>
                 <a:defRPr/>
               </a:pPr>
-              <a:t>27-Sep-15</a:t>
+              <a:t>28-Sep-15</a:t>
             </a:fld>
             <a:endParaRPr lang="en-US"/>
           </a:p>
@@ -6379,8 +6379,8 @@
               <a:defRPr/>
             </a:pPr>
             <a:r>
-              <a:rPr lang="en-US" smtClean="0"/>
-              <a:t>2IMN10-HW1 </a:t>
+              <a:rPr lang="en-US" dirty="0" smtClean="0"/>
+              <a:t>2IMN10-HW2 </a:t>
             </a:r>
             <a:fld id="{D2495B23-F071-4F35-8704-05653A066BA5}" type="slidenum">
               <a:rPr lang="en-US" smtClean="0"/>
@@ -6404,10 +6404,10 @@
           </p:nvPr>
         </p:nvPicPr>
         <p:blipFill>
-          <a:blip r:embed="rId2">
+          <a:blip r:embed="rId2" cstate="print">
             <a:extLst>
               <a:ext uri="{28A0092B-C50C-407E-A947-70E740481C1C}">
-                <a14:useLocalDpi xmlns:a14="http://schemas.microsoft.com/office/drawing/2010/main" val="0"/>
+                <a14:useLocalDpi xmlns:a14="http://schemas.microsoft.com/office/drawing/2010/main" xmlns="" val="0"/>
               </a:ext>
             </a:extLst>
           </a:blip>
@@ -6425,7 +6425,7 @@
     </p:spTree>
     <p:extLst>
       <p:ext uri="{BB962C8B-B14F-4D97-AF65-F5344CB8AC3E}">
-        <p14:creationId xmlns:p14="http://schemas.microsoft.com/office/powerpoint/2010/main" val="1442015153"/>
+        <p14:creationId xmlns:p14="http://schemas.microsoft.com/office/powerpoint/2010/main" xmlns="" val="1442015153"/>
       </p:ext>
     </p:extLst>
   </p:cSld>
@@ -6555,7 +6555,7 @@
               <a:pPr>
                 <a:defRPr/>
               </a:pPr>
-              <a:t>27-Sep-15</a:t>
+              <a:t>28-Sep-15</a:t>
             </a:fld>
             <a:endParaRPr lang="en-US"/>
           </a:p>
@@ -6610,8 +6610,8 @@
               <a:defRPr/>
             </a:pPr>
             <a:r>
-              <a:rPr lang="en-US" smtClean="0"/>
-              <a:t>2IMN10-HW1 </a:t>
+              <a:rPr lang="en-US" dirty="0" smtClean="0"/>
+              <a:t>2IMN10-HW2 </a:t>
             </a:r>
             <a:fld id="{D2495B23-F071-4F35-8704-05653A066BA5}" type="slidenum">
               <a:rPr lang="en-US" smtClean="0"/>
@@ -6627,7 +6627,7 @@
     </p:spTree>
     <p:extLst>
       <p:ext uri="{BB962C8B-B14F-4D97-AF65-F5344CB8AC3E}">
-        <p14:creationId xmlns:p14="http://schemas.microsoft.com/office/powerpoint/2010/main" val="983073970"/>
+        <p14:creationId xmlns:p14="http://schemas.microsoft.com/office/powerpoint/2010/main" xmlns="" val="983073970"/>
       </p:ext>
     </p:extLst>
   </p:cSld>
@@ -6700,7 +6700,7 @@
               <a:pPr>
                 <a:defRPr/>
               </a:pPr>
-              <a:t>27-Sep-15</a:t>
+              <a:t>28-Sep-15</a:t>
             </a:fld>
             <a:endParaRPr lang="en-US"/>
           </a:p>
@@ -6965,11 +6965,7 @@
           <a:p>
             <a:r>
               <a:rPr lang="en-US" sz="1200" dirty="0" smtClean="0"/>
-              <a:t>This shows the independent nature of the system. The </a:t>
-            </a:r>
-            <a:r>
-              <a:rPr lang="en-US" sz="1200" dirty="0" smtClean="0"/>
-              <a:t>server is not needed at all times, and is request based instead. Thus reinforcing the need for a </a:t>
+              <a:t>This shows the independent nature of the system. The server is not needed at all times, and is request based instead. Thus reinforcing the need for a </a:t>
             </a:r>
             <a:r>
               <a:rPr lang="en-US" sz="1200" smtClean="0"/>
@@ -7002,7 +6998,7 @@
               <a:pPr>
                 <a:defRPr/>
               </a:pPr>
-              <a:t>27-Sep-15</a:t>
+              <a:t>28-Sep-15</a:t>
             </a:fld>
             <a:endParaRPr lang="en-US"/>
           </a:p>
@@ -7211,7 +7207,7 @@
               <a:pPr>
                 <a:defRPr/>
               </a:pPr>
-              <a:t>27-Sep-15</a:t>
+              <a:t>28-Sep-15</a:t>
             </a:fld>
             <a:endParaRPr lang="en-US"/>
           </a:p>
@@ -7447,7 +7443,7 @@
               <a:pPr>
                 <a:defRPr/>
               </a:pPr>
-              <a:t>27-Sep-15</a:t>
+              <a:t>28-Sep-15</a:t>
             </a:fld>
             <a:endParaRPr lang="en-US"/>
           </a:p>
@@ -7557,7 +7553,7 @@
               <a:pPr>
                 <a:defRPr/>
               </a:pPr>
-              <a:t>27-Sep-15</a:t>
+              <a:t>28-Sep-15</a:t>
             </a:fld>
             <a:endParaRPr lang="en-US"/>
           </a:p>
@@ -7651,14 +7647,14 @@
           <a:effectLst/>
           <a:extLst>
             <a:ext uri="{909E8E84-426E-40DD-AFC4-6F175D3DCCD1}">
-              <a14:hiddenFill xmlns:a14="http://schemas.microsoft.com/office/drawing/2010/main">
+              <a14:hiddenFill xmlns:a14="http://schemas.microsoft.com/office/drawing/2010/main" xmlns="">
                 <a:solidFill>
                   <a:schemeClr val="accent1"/>
                 </a:solidFill>
               </a14:hiddenFill>
             </a:ext>
             <a:ext uri="{91240B29-F687-4F45-9708-019B960494DF}">
-              <a14:hiddenLine xmlns:a14="http://schemas.microsoft.com/office/drawing/2010/main" w="9525">
+              <a14:hiddenLine xmlns:a14="http://schemas.microsoft.com/office/drawing/2010/main" xmlns="" w="9525">
                 <a:solidFill>
                   <a:schemeClr val="tx1"/>
                 </a:solidFill>
@@ -7668,7 +7664,7 @@
               </a14:hiddenLine>
             </a:ext>
             <a:ext uri="{AF507438-7753-43E0-B8FC-AC1667EBCBE1}">
-              <a14:hiddenEffects xmlns:a14="http://schemas.microsoft.com/office/drawing/2010/main">
+              <a14:hiddenEffects xmlns:a14="http://schemas.microsoft.com/office/drawing/2010/main" xmlns="">
                 <a:effectLst>
                   <a:outerShdw dist="35921" dir="2700000" algn="ctr" rotWithShape="0">
                     <a:schemeClr val="bg2"/>
@@ -8256,7 +8252,7 @@
               <a:pPr>
                 <a:defRPr/>
               </a:pPr>
-              <a:t>27-Sep-15</a:t>
+              <a:t>28-Sep-15</a:t>
             </a:fld>
             <a:endParaRPr lang="en-US" dirty="0"/>
           </a:p>
@@ -8372,7 +8368,7 @@
     </p:spTree>
     <p:extLst>
       <p:ext uri="{BB962C8B-B14F-4D97-AF65-F5344CB8AC3E}">
-        <p14:creationId xmlns:p14="http://schemas.microsoft.com/office/powerpoint/2010/main" val="1536031490"/>
+        <p14:creationId xmlns:p14="http://schemas.microsoft.com/office/powerpoint/2010/main" xmlns="" val="1536031490"/>
       </p:ext>
     </p:extLst>
   </p:cSld>
@@ -8548,7 +8544,7 @@
               <a:pPr>
                 <a:defRPr/>
               </a:pPr>
-              <a:t>27-Sep-15</a:t>
+              <a:t>28-Sep-15</a:t>
             </a:fld>
             <a:endParaRPr lang="en-US" dirty="0"/>
           </a:p>
@@ -8658,7 +8654,7 @@
               <a:pPr>
                 <a:defRPr/>
               </a:pPr>
-              <a:t>27-Sep-15</a:t>
+              <a:t>28-Sep-15</a:t>
             </a:fld>
             <a:endParaRPr lang="en-US"/>
           </a:p>
@@ -8713,8 +8709,8 @@
               <a:defRPr/>
             </a:pPr>
             <a:r>
-              <a:rPr lang="en-US" smtClean="0"/>
-              <a:t>2IMN10-HW1 </a:t>
+              <a:rPr lang="en-US" dirty="0" smtClean="0"/>
+              <a:t>2IMN10-HW2 </a:t>
             </a:r>
             <a:fld id="{D2495B23-F071-4F35-8704-05653A066BA5}" type="slidenum">
               <a:rPr lang="en-US" smtClean="0"/>
@@ -8813,10 +8809,10 @@
           </p:nvPr>
         </p:nvPicPr>
         <p:blipFill>
-          <a:blip r:embed="rId2">
+          <a:blip r:embed="rId2" cstate="print">
             <a:extLst>
               <a:ext uri="{28A0092B-C50C-407E-A947-70E740481C1C}">
-                <a14:useLocalDpi xmlns:a14="http://schemas.microsoft.com/office/drawing/2010/main" val="0"/>
+                <a14:useLocalDpi xmlns:a14="http://schemas.microsoft.com/office/drawing/2010/main" xmlns="" val="0"/>
               </a:ext>
             </a:extLst>
           </a:blip>
@@ -8834,7 +8830,7 @@
     </p:spTree>
     <p:extLst>
       <p:ext uri="{BB962C8B-B14F-4D97-AF65-F5344CB8AC3E}">
-        <p14:creationId xmlns:p14="http://schemas.microsoft.com/office/powerpoint/2010/main" val="255644117"/>
+        <p14:creationId xmlns:p14="http://schemas.microsoft.com/office/powerpoint/2010/main" xmlns="" val="255644117"/>
       </p:ext>
     </p:extLst>
   </p:cSld>
@@ -8895,10 +8891,10 @@
           </p:nvPr>
         </p:nvPicPr>
         <p:blipFill>
-          <a:blip r:embed="rId2">
+          <a:blip r:embed="rId2" cstate="print">
             <a:extLst>
               <a:ext uri="{28A0092B-C50C-407E-A947-70E740481C1C}">
-                <a14:useLocalDpi xmlns:a14="http://schemas.microsoft.com/office/drawing/2010/main" val="0"/>
+                <a14:useLocalDpi xmlns:a14="http://schemas.microsoft.com/office/drawing/2010/main" xmlns="" val="0"/>
               </a:ext>
             </a:extLst>
           </a:blip>
@@ -8936,7 +8932,7 @@
               <a:pPr>
                 <a:defRPr/>
               </a:pPr>
-              <a:t>27-Sep-15</a:t>
+              <a:t>28-Sep-15</a:t>
             </a:fld>
             <a:endParaRPr lang="en-US"/>
           </a:p>
@@ -8991,8 +8987,8 @@
               <a:defRPr/>
             </a:pPr>
             <a:r>
-              <a:rPr lang="en-US" smtClean="0"/>
-              <a:t>2IMN10-HW1 </a:t>
+              <a:rPr lang="en-US" dirty="0" smtClean="0"/>
+              <a:t>2IMN10-HW2 </a:t>
             </a:r>
             <a:fld id="{D2495B23-F071-4F35-8704-05653A066BA5}" type="slidenum">
               <a:rPr lang="en-US" smtClean="0"/>
@@ -9008,7 +9004,7 @@
     </p:spTree>
     <p:extLst>
       <p:ext uri="{BB962C8B-B14F-4D97-AF65-F5344CB8AC3E}">
-        <p14:creationId xmlns:p14="http://schemas.microsoft.com/office/powerpoint/2010/main" val="636731932"/>
+        <p14:creationId xmlns:p14="http://schemas.microsoft.com/office/powerpoint/2010/main" xmlns="" val="636731932"/>
       </p:ext>
     </p:extLst>
   </p:cSld>
@@ -9290,7 +9286,7 @@
         <a:effectLst/>
         <a:extLst>
           <a:ext uri="{AF507438-7753-43E0-B8FC-AC1667EBCBE1}">
-            <a14:hiddenEffects xmlns:a14="http://schemas.microsoft.com/office/drawing/2010/main">
+            <a14:hiddenEffects xmlns:a14="http://schemas.microsoft.com/office/drawing/2010/main" xmlns="">
               <a:effectLst>
                 <a:outerShdw dist="35921" dir="2700000" algn="ctr" rotWithShape="0">
                   <a:schemeClr val="bg2"/>
@@ -9364,7 +9360,7 @@
         <a:effectLst/>
         <a:extLst>
           <a:ext uri="{AF507438-7753-43E0-B8FC-AC1667EBCBE1}">
-            <a14:hiddenEffects xmlns:a14="http://schemas.microsoft.com/office/drawing/2010/main">
+            <a14:hiddenEffects xmlns:a14="http://schemas.microsoft.com/office/drawing/2010/main" xmlns="">
               <a:effectLst>
                 <a:outerShdw dist="35921" dir="2700000" algn="ctr" rotWithShape="0">
                   <a:schemeClr val="bg2"/>
